--- a/Predicting Parkinson With Handwritting.pptx
+++ b/Predicting Parkinson With Handwritting.pptx
@@ -17,35 +17,23 @@
     <p:sldId id="262" r:id="rId12"/>
     <p:sldId id="263" r:id="rId13"/>
     <p:sldId id="264" r:id="rId14"/>
-    <p:sldId id="265" r:id="rId15"/>
-    <p:sldId id="266" r:id="rId16"/>
-    <p:sldId id="267" r:id="rId17"/>
-    <p:sldId id="268" r:id="rId18"/>
-    <p:sldId id="269" r:id="rId19"/>
   </p:sldIdLst>
   <p:sldSz cy="5143500" cx="9144000"/>
   <p:notesSz cx="6858000" cy="9144000"/>
   <p:embeddedFontLst>
     <p:embeddedFont>
-      <p:font typeface="Roboto"/>
-      <p:regular r:id="rId20"/>
-      <p:bold r:id="rId21"/>
-      <p:italic r:id="rId22"/>
-      <p:boldItalic r:id="rId23"/>
-    </p:embeddedFont>
-    <p:embeddedFont>
       <p:font typeface="Montserrat"/>
-      <p:regular r:id="rId24"/>
-      <p:bold r:id="rId25"/>
-      <p:italic r:id="rId26"/>
-      <p:boldItalic r:id="rId27"/>
+      <p:regular r:id="rId15"/>
+      <p:bold r:id="rId16"/>
+      <p:italic r:id="rId17"/>
+      <p:boldItalic r:id="rId18"/>
     </p:embeddedFont>
     <p:embeddedFont>
       <p:font typeface="Lato"/>
-      <p:regular r:id="rId28"/>
-      <p:bold r:id="rId29"/>
-      <p:italic r:id="rId30"/>
-      <p:boldItalic r:id="rId31"/>
+      <p:regular r:id="rId19"/>
+      <p:bold r:id="rId20"/>
+      <p:italic r:id="rId21"/>
+      <p:boldItalic r:id="rId22"/>
     </p:embeddedFont>
   </p:embeddedFontLst>
   <p:defaultTextStyle>
@@ -821,501 +809,6 @@
 </p:notes>
 </file>
 
-<file path=ppt/notesSlides/notesSlide10.xml><?xml version="1.0" encoding="utf-8"?>
-<p:notes xmlns:a="http://schemas.openxmlformats.org/drawingml/2006/main" xmlns:r="http://schemas.openxmlformats.org/officeDocument/2006/relationships" xmlns:mc="http://schemas.openxmlformats.org/markup-compatibility/2006" xmlns:mv="urn:schemas-microsoft-com:mac:vml" xmlns:p="http://schemas.openxmlformats.org/presentationml/2006/main" xmlns:c="http://schemas.openxmlformats.org/drawingml/2006/chart" xmlns:dgm="http://schemas.openxmlformats.org/drawingml/2006/diagram" xmlns:o="urn:schemas-microsoft-com:office:office" xmlns:v="urn:schemas-microsoft-com:vml" xmlns:pvml="urn:schemas-microsoft-com:office:powerpoint" xmlns:com="http://schemas.openxmlformats.org/drawingml/2006/compatibility" xmlns:p14="http://schemas.microsoft.com/office/powerpoint/2010/main" xmlns:p15="http://schemas.microsoft.com/office/powerpoint/2012/main" xmlns:ahyp="http://schemas.microsoft.com/office/drawing/2018/hyperlinkcolor" showMasterPhAnim="0" showMasterSp="0">
-  <p:cSld>
-    <p:spTree>
-      <p:nvGrpSpPr>
-        <p:cNvPr id="189" name="Shape 189"/>
-        <p:cNvGrpSpPr/>
-        <p:nvPr/>
-      </p:nvGrpSpPr>
-      <p:grpSpPr>
-        <a:xfrm>
-          <a:off x="0" y="0"/>
-          <a:ext cx="0" cy="0"/>
-          <a:chOff x="0" y="0"/>
-          <a:chExt cx="0" cy="0"/>
-        </a:xfrm>
-      </p:grpSpPr>
-      <p:sp>
-        <p:nvSpPr>
-          <p:cNvPr id="190" name="Google Shape;190;g208ee4ab804_0_10:notes"/>
-          <p:cNvSpPr/>
-          <p:nvPr>
-            <p:ph idx="2" type="sldImg"/>
-          </p:nvPr>
-        </p:nvSpPr>
-        <p:spPr>
-          <a:xfrm>
-            <a:off x="381300" y="685800"/>
-            <a:ext cx="6096000" cy="3429000"/>
-          </a:xfrm>
-          <a:custGeom>
-            <a:rect b="b" l="l" r="r" t="t"/>
-            <a:pathLst>
-              <a:path extrusionOk="0" h="120000" w="120000">
-                <a:moveTo>
-                  <a:pt x="0" y="0"/>
-                </a:moveTo>
-                <a:lnTo>
-                  <a:pt x="120000" y="0"/>
-                </a:lnTo>
-                <a:lnTo>
-                  <a:pt x="120000" y="120000"/>
-                </a:lnTo>
-                <a:lnTo>
-                  <a:pt x="0" y="120000"/>
-                </a:lnTo>
-                <a:close/>
-              </a:path>
-            </a:pathLst>
-          </a:custGeom>
-        </p:spPr>
-      </p:sp>
-      <p:sp>
-        <p:nvSpPr>
-          <p:cNvPr id="191" name="Google Shape;191;g208ee4ab804_0_10:notes"/>
-          <p:cNvSpPr txBox="1"/>
-          <p:nvPr>
-            <p:ph idx="1" type="body"/>
-          </p:nvPr>
-        </p:nvSpPr>
-        <p:spPr>
-          <a:xfrm>
-            <a:off x="685800" y="4343400"/>
-            <a:ext cx="5486400" cy="4114800"/>
-          </a:xfrm>
-          <a:prstGeom prst="rect">
-            <a:avLst/>
-          </a:prstGeom>
-        </p:spPr>
-        <p:txBody>
-          <a:bodyPr anchorCtr="0" anchor="t" bIns="91425" lIns="91425" spcFirstLastPara="1" rIns="91425" wrap="square" tIns="91425">
-            <a:noAutofit/>
-          </a:bodyPr>
-          <a:lstStyle/>
-          <a:p>
-            <a:pPr indent="0" lvl="0" marL="0" rtl="0" algn="l">
-              <a:spcBef>
-                <a:spcPts val="0"/>
-              </a:spcBef>
-              <a:spcAft>
-                <a:spcPts val="0"/>
-              </a:spcAft>
-              <a:buNone/>
-            </a:pPr>
-            <a:r>
-              <a:t/>
-            </a:r>
-            <a:endParaRPr/>
-          </a:p>
-        </p:txBody>
-      </p:sp>
-    </p:spTree>
-  </p:cSld>
-  <p:clrMapOvr>
-    <a:masterClrMapping/>
-  </p:clrMapOvr>
-</p:notes>
-</file>
-
-<file path=ppt/notesSlides/notesSlide11.xml><?xml version="1.0" encoding="utf-8"?>
-<p:notes xmlns:a="http://schemas.openxmlformats.org/drawingml/2006/main" xmlns:r="http://schemas.openxmlformats.org/officeDocument/2006/relationships" xmlns:mc="http://schemas.openxmlformats.org/markup-compatibility/2006" xmlns:mv="urn:schemas-microsoft-com:mac:vml" xmlns:p="http://schemas.openxmlformats.org/presentationml/2006/main" xmlns:c="http://schemas.openxmlformats.org/drawingml/2006/chart" xmlns:dgm="http://schemas.openxmlformats.org/drawingml/2006/diagram" xmlns:o="urn:schemas-microsoft-com:office:office" xmlns:v="urn:schemas-microsoft-com:vml" xmlns:pvml="urn:schemas-microsoft-com:office:powerpoint" xmlns:com="http://schemas.openxmlformats.org/drawingml/2006/compatibility" xmlns:p14="http://schemas.microsoft.com/office/powerpoint/2010/main" xmlns:p15="http://schemas.microsoft.com/office/powerpoint/2012/main" xmlns:ahyp="http://schemas.microsoft.com/office/drawing/2018/hyperlinkcolor" showMasterPhAnim="0" showMasterSp="0">
-  <p:cSld>
-    <p:spTree>
-      <p:nvGrpSpPr>
-        <p:cNvPr id="197" name="Shape 197"/>
-        <p:cNvGrpSpPr/>
-        <p:nvPr/>
-      </p:nvGrpSpPr>
-      <p:grpSpPr>
-        <a:xfrm>
-          <a:off x="0" y="0"/>
-          <a:ext cx="0" cy="0"/>
-          <a:chOff x="0" y="0"/>
-          <a:chExt cx="0" cy="0"/>
-        </a:xfrm>
-      </p:grpSpPr>
-      <p:sp>
-        <p:nvSpPr>
-          <p:cNvPr id="198" name="Google Shape;198;g208ee4ab804_0_16:notes"/>
-          <p:cNvSpPr/>
-          <p:nvPr>
-            <p:ph idx="2" type="sldImg"/>
-          </p:nvPr>
-        </p:nvSpPr>
-        <p:spPr>
-          <a:xfrm>
-            <a:off x="381300" y="685800"/>
-            <a:ext cx="6096000" cy="3429000"/>
-          </a:xfrm>
-          <a:custGeom>
-            <a:rect b="b" l="l" r="r" t="t"/>
-            <a:pathLst>
-              <a:path extrusionOk="0" h="120000" w="120000">
-                <a:moveTo>
-                  <a:pt x="0" y="0"/>
-                </a:moveTo>
-                <a:lnTo>
-                  <a:pt x="120000" y="0"/>
-                </a:lnTo>
-                <a:lnTo>
-                  <a:pt x="120000" y="120000"/>
-                </a:lnTo>
-                <a:lnTo>
-                  <a:pt x="0" y="120000"/>
-                </a:lnTo>
-                <a:close/>
-              </a:path>
-            </a:pathLst>
-          </a:custGeom>
-        </p:spPr>
-      </p:sp>
-      <p:sp>
-        <p:nvSpPr>
-          <p:cNvPr id="199" name="Google Shape;199;g208ee4ab804_0_16:notes"/>
-          <p:cNvSpPr txBox="1"/>
-          <p:nvPr>
-            <p:ph idx="1" type="body"/>
-          </p:nvPr>
-        </p:nvSpPr>
-        <p:spPr>
-          <a:xfrm>
-            <a:off x="685800" y="4343400"/>
-            <a:ext cx="5486400" cy="4114800"/>
-          </a:xfrm>
-          <a:prstGeom prst="rect">
-            <a:avLst/>
-          </a:prstGeom>
-        </p:spPr>
-        <p:txBody>
-          <a:bodyPr anchorCtr="0" anchor="t" bIns="91425" lIns="91425" spcFirstLastPara="1" rIns="91425" wrap="square" tIns="91425">
-            <a:noAutofit/>
-          </a:bodyPr>
-          <a:lstStyle/>
-          <a:p>
-            <a:pPr indent="0" lvl="0" marL="0" rtl="0" algn="l">
-              <a:spcBef>
-                <a:spcPts val="0"/>
-              </a:spcBef>
-              <a:spcAft>
-                <a:spcPts val="0"/>
-              </a:spcAft>
-              <a:buNone/>
-            </a:pPr>
-            <a:r>
-              <a:t/>
-            </a:r>
-            <a:endParaRPr/>
-          </a:p>
-        </p:txBody>
-      </p:sp>
-    </p:spTree>
-  </p:cSld>
-  <p:clrMapOvr>
-    <a:masterClrMapping/>
-  </p:clrMapOvr>
-</p:notes>
-</file>
-
-<file path=ppt/notesSlides/notesSlide12.xml><?xml version="1.0" encoding="utf-8"?>
-<p:notes xmlns:a="http://schemas.openxmlformats.org/drawingml/2006/main" xmlns:r="http://schemas.openxmlformats.org/officeDocument/2006/relationships" xmlns:mc="http://schemas.openxmlformats.org/markup-compatibility/2006" xmlns:mv="urn:schemas-microsoft-com:mac:vml" xmlns:p="http://schemas.openxmlformats.org/presentationml/2006/main" xmlns:c="http://schemas.openxmlformats.org/drawingml/2006/chart" xmlns:dgm="http://schemas.openxmlformats.org/drawingml/2006/diagram" xmlns:o="urn:schemas-microsoft-com:office:office" xmlns:v="urn:schemas-microsoft-com:vml" xmlns:pvml="urn:schemas-microsoft-com:office:powerpoint" xmlns:com="http://schemas.openxmlformats.org/drawingml/2006/compatibility" xmlns:p14="http://schemas.microsoft.com/office/powerpoint/2010/main" xmlns:p15="http://schemas.microsoft.com/office/powerpoint/2012/main" xmlns:ahyp="http://schemas.microsoft.com/office/drawing/2018/hyperlinkcolor" showMasterPhAnim="0" showMasterSp="0">
-  <p:cSld>
-    <p:spTree>
-      <p:nvGrpSpPr>
-        <p:cNvPr id="205" name="Shape 205"/>
-        <p:cNvGrpSpPr/>
-        <p:nvPr/>
-      </p:nvGrpSpPr>
-      <p:grpSpPr>
-        <a:xfrm>
-          <a:off x="0" y="0"/>
-          <a:ext cx="0" cy="0"/>
-          <a:chOff x="0" y="0"/>
-          <a:chExt cx="0" cy="0"/>
-        </a:xfrm>
-      </p:grpSpPr>
-      <p:sp>
-        <p:nvSpPr>
-          <p:cNvPr id="206" name="Google Shape;206;g208ee4ab804_0_35:notes"/>
-          <p:cNvSpPr/>
-          <p:nvPr>
-            <p:ph idx="2" type="sldImg"/>
-          </p:nvPr>
-        </p:nvSpPr>
-        <p:spPr>
-          <a:xfrm>
-            <a:off x="381300" y="685800"/>
-            <a:ext cx="6096000" cy="3429000"/>
-          </a:xfrm>
-          <a:custGeom>
-            <a:rect b="b" l="l" r="r" t="t"/>
-            <a:pathLst>
-              <a:path extrusionOk="0" h="120000" w="120000">
-                <a:moveTo>
-                  <a:pt x="0" y="0"/>
-                </a:moveTo>
-                <a:lnTo>
-                  <a:pt x="120000" y="0"/>
-                </a:lnTo>
-                <a:lnTo>
-                  <a:pt x="120000" y="120000"/>
-                </a:lnTo>
-                <a:lnTo>
-                  <a:pt x="0" y="120000"/>
-                </a:lnTo>
-                <a:close/>
-              </a:path>
-            </a:pathLst>
-          </a:custGeom>
-        </p:spPr>
-      </p:sp>
-      <p:sp>
-        <p:nvSpPr>
-          <p:cNvPr id="207" name="Google Shape;207;g208ee4ab804_0_35:notes"/>
-          <p:cNvSpPr txBox="1"/>
-          <p:nvPr>
-            <p:ph idx="1" type="body"/>
-          </p:nvPr>
-        </p:nvSpPr>
-        <p:spPr>
-          <a:xfrm>
-            <a:off x="685800" y="4343400"/>
-            <a:ext cx="5486400" cy="4114800"/>
-          </a:xfrm>
-          <a:prstGeom prst="rect">
-            <a:avLst/>
-          </a:prstGeom>
-        </p:spPr>
-        <p:txBody>
-          <a:bodyPr anchorCtr="0" anchor="t" bIns="91425" lIns="91425" spcFirstLastPara="1" rIns="91425" wrap="square" tIns="91425">
-            <a:noAutofit/>
-          </a:bodyPr>
-          <a:lstStyle/>
-          <a:p>
-            <a:pPr indent="0" lvl="0" marL="0" rtl="0" algn="l">
-              <a:spcBef>
-                <a:spcPts val="0"/>
-              </a:spcBef>
-              <a:spcAft>
-                <a:spcPts val="0"/>
-              </a:spcAft>
-              <a:buNone/>
-            </a:pPr>
-            <a:r>
-              <a:t/>
-            </a:r>
-            <a:endParaRPr/>
-          </a:p>
-        </p:txBody>
-      </p:sp>
-    </p:spTree>
-  </p:cSld>
-  <p:clrMapOvr>
-    <a:masterClrMapping/>
-  </p:clrMapOvr>
-</p:notes>
-</file>
-
-<file path=ppt/notesSlides/notesSlide13.xml><?xml version="1.0" encoding="utf-8"?>
-<p:notes xmlns:a="http://schemas.openxmlformats.org/drawingml/2006/main" xmlns:r="http://schemas.openxmlformats.org/officeDocument/2006/relationships" xmlns:mc="http://schemas.openxmlformats.org/markup-compatibility/2006" xmlns:mv="urn:schemas-microsoft-com:mac:vml" xmlns:p="http://schemas.openxmlformats.org/presentationml/2006/main" xmlns:c="http://schemas.openxmlformats.org/drawingml/2006/chart" xmlns:dgm="http://schemas.openxmlformats.org/drawingml/2006/diagram" xmlns:o="urn:schemas-microsoft-com:office:office" xmlns:v="urn:schemas-microsoft-com:vml" xmlns:pvml="urn:schemas-microsoft-com:office:powerpoint" xmlns:com="http://schemas.openxmlformats.org/drawingml/2006/compatibility" xmlns:p14="http://schemas.microsoft.com/office/powerpoint/2010/main" xmlns:p15="http://schemas.microsoft.com/office/powerpoint/2012/main" xmlns:ahyp="http://schemas.microsoft.com/office/drawing/2018/hyperlinkcolor" showMasterPhAnim="0" showMasterSp="0">
-  <p:cSld>
-    <p:spTree>
-      <p:nvGrpSpPr>
-        <p:cNvPr id="211" name="Shape 211"/>
-        <p:cNvGrpSpPr/>
-        <p:nvPr/>
-      </p:nvGrpSpPr>
-      <p:grpSpPr>
-        <a:xfrm>
-          <a:off x="0" y="0"/>
-          <a:ext cx="0" cy="0"/>
-          <a:chOff x="0" y="0"/>
-          <a:chExt cx="0" cy="0"/>
-        </a:xfrm>
-      </p:grpSpPr>
-      <p:sp>
-        <p:nvSpPr>
-          <p:cNvPr id="212" name="Google Shape;212;g20681727de2_0_150:notes"/>
-          <p:cNvSpPr/>
-          <p:nvPr>
-            <p:ph idx="2" type="sldImg"/>
-          </p:nvPr>
-        </p:nvSpPr>
-        <p:spPr>
-          <a:xfrm>
-            <a:off x="381300" y="685800"/>
-            <a:ext cx="6096000" cy="3429000"/>
-          </a:xfrm>
-          <a:custGeom>
-            <a:rect b="b" l="l" r="r" t="t"/>
-            <a:pathLst>
-              <a:path extrusionOk="0" h="120000" w="120000">
-                <a:moveTo>
-                  <a:pt x="0" y="0"/>
-                </a:moveTo>
-                <a:lnTo>
-                  <a:pt x="120000" y="0"/>
-                </a:lnTo>
-                <a:lnTo>
-                  <a:pt x="120000" y="120000"/>
-                </a:lnTo>
-                <a:lnTo>
-                  <a:pt x="0" y="120000"/>
-                </a:lnTo>
-                <a:close/>
-              </a:path>
-            </a:pathLst>
-          </a:custGeom>
-        </p:spPr>
-      </p:sp>
-      <p:sp>
-        <p:nvSpPr>
-          <p:cNvPr id="213" name="Google Shape;213;g20681727de2_0_150:notes"/>
-          <p:cNvSpPr txBox="1"/>
-          <p:nvPr>
-            <p:ph idx="1" type="body"/>
-          </p:nvPr>
-        </p:nvSpPr>
-        <p:spPr>
-          <a:xfrm>
-            <a:off x="685800" y="4343400"/>
-            <a:ext cx="5486400" cy="4114800"/>
-          </a:xfrm>
-          <a:prstGeom prst="rect">
-            <a:avLst/>
-          </a:prstGeom>
-        </p:spPr>
-        <p:txBody>
-          <a:bodyPr anchorCtr="0" anchor="t" bIns="91425" lIns="91425" spcFirstLastPara="1" rIns="91425" wrap="square" tIns="91425">
-            <a:noAutofit/>
-          </a:bodyPr>
-          <a:lstStyle/>
-          <a:p>
-            <a:pPr indent="0" lvl="0" marL="0" rtl="0" algn="l">
-              <a:spcBef>
-                <a:spcPts val="0"/>
-              </a:spcBef>
-              <a:spcAft>
-                <a:spcPts val="0"/>
-              </a:spcAft>
-              <a:buNone/>
-            </a:pPr>
-            <a:r>
-              <a:t/>
-            </a:r>
-            <a:endParaRPr/>
-          </a:p>
-        </p:txBody>
-      </p:sp>
-    </p:spTree>
-  </p:cSld>
-  <p:clrMapOvr>
-    <a:masterClrMapping/>
-  </p:clrMapOvr>
-</p:notes>
-</file>
-
-<file path=ppt/notesSlides/notesSlide14.xml><?xml version="1.0" encoding="utf-8"?>
-<p:notes xmlns:a="http://schemas.openxmlformats.org/drawingml/2006/main" xmlns:r="http://schemas.openxmlformats.org/officeDocument/2006/relationships" xmlns:mc="http://schemas.openxmlformats.org/markup-compatibility/2006" xmlns:mv="urn:schemas-microsoft-com:mac:vml" xmlns:p="http://schemas.openxmlformats.org/presentationml/2006/main" xmlns:c="http://schemas.openxmlformats.org/drawingml/2006/chart" xmlns:dgm="http://schemas.openxmlformats.org/drawingml/2006/diagram" xmlns:o="urn:schemas-microsoft-com:office:office" xmlns:v="urn:schemas-microsoft-com:vml" xmlns:pvml="urn:schemas-microsoft-com:office:powerpoint" xmlns:com="http://schemas.openxmlformats.org/drawingml/2006/compatibility" xmlns:p14="http://schemas.microsoft.com/office/powerpoint/2010/main" xmlns:p15="http://schemas.microsoft.com/office/powerpoint/2012/main" xmlns:ahyp="http://schemas.microsoft.com/office/drawing/2018/hyperlinkcolor" showMasterPhAnim="0" showMasterSp="0">
-  <p:cSld>
-    <p:spTree>
-      <p:nvGrpSpPr>
-        <p:cNvPr id="217" name="Shape 217"/>
-        <p:cNvGrpSpPr/>
-        <p:nvPr/>
-      </p:nvGrpSpPr>
-      <p:grpSpPr>
-        <a:xfrm>
-          <a:off x="0" y="0"/>
-          <a:ext cx="0" cy="0"/>
-          <a:chOff x="0" y="0"/>
-          <a:chExt cx="0" cy="0"/>
-        </a:xfrm>
-      </p:grpSpPr>
-      <p:sp>
-        <p:nvSpPr>
-          <p:cNvPr id="218" name="Google Shape;218;g20681727de2_0_130:notes"/>
-          <p:cNvSpPr/>
-          <p:nvPr>
-            <p:ph idx="2" type="sldImg"/>
-          </p:nvPr>
-        </p:nvSpPr>
-        <p:spPr>
-          <a:xfrm>
-            <a:off x="381300" y="685800"/>
-            <a:ext cx="6096000" cy="3429000"/>
-          </a:xfrm>
-          <a:custGeom>
-            <a:rect b="b" l="l" r="r" t="t"/>
-            <a:pathLst>
-              <a:path extrusionOk="0" h="120000" w="120000">
-                <a:moveTo>
-                  <a:pt x="0" y="0"/>
-                </a:moveTo>
-                <a:lnTo>
-                  <a:pt x="120000" y="0"/>
-                </a:lnTo>
-                <a:lnTo>
-                  <a:pt x="120000" y="120000"/>
-                </a:lnTo>
-                <a:lnTo>
-                  <a:pt x="0" y="120000"/>
-                </a:lnTo>
-                <a:close/>
-              </a:path>
-            </a:pathLst>
-          </a:custGeom>
-        </p:spPr>
-      </p:sp>
-      <p:sp>
-        <p:nvSpPr>
-          <p:cNvPr id="219" name="Google Shape;219;g20681727de2_0_130:notes"/>
-          <p:cNvSpPr txBox="1"/>
-          <p:nvPr>
-            <p:ph idx="1" type="body"/>
-          </p:nvPr>
-        </p:nvSpPr>
-        <p:spPr>
-          <a:xfrm>
-            <a:off x="685800" y="4343400"/>
-            <a:ext cx="5486400" cy="4114800"/>
-          </a:xfrm>
-          <a:prstGeom prst="rect">
-            <a:avLst/>
-          </a:prstGeom>
-        </p:spPr>
-        <p:txBody>
-          <a:bodyPr anchorCtr="0" anchor="t" bIns="91425" lIns="91425" spcFirstLastPara="1" rIns="91425" wrap="square" tIns="91425">
-            <a:noAutofit/>
-          </a:bodyPr>
-          <a:lstStyle/>
-          <a:p>
-            <a:pPr indent="0" lvl="0" marL="0" rtl="0" algn="l">
-              <a:spcBef>
-                <a:spcPts val="0"/>
-              </a:spcBef>
-              <a:spcAft>
-                <a:spcPts val="0"/>
-              </a:spcAft>
-              <a:buNone/>
-            </a:pPr>
-            <a:r>
-              <a:t/>
-            </a:r>
-            <a:endParaRPr/>
-          </a:p>
-        </p:txBody>
-      </p:sp>
-    </p:spTree>
-  </p:cSld>
-  <p:clrMapOvr>
-    <a:masterClrMapping/>
-  </p:clrMapOvr>
-</p:notes>
-</file>
-
 <file path=ppt/notesSlides/notesSlide2.xml><?xml version="1.0" encoding="utf-8"?>
 <p:notes xmlns:a="http://schemas.openxmlformats.org/drawingml/2006/main" xmlns:r="http://schemas.openxmlformats.org/officeDocument/2006/relationships" xmlns:mc="http://schemas.openxmlformats.org/markup-compatibility/2006" xmlns:mv="urn:schemas-microsoft-com:mac:vml" xmlns:p="http://schemas.openxmlformats.org/presentationml/2006/main" xmlns:c="http://schemas.openxmlformats.org/drawingml/2006/chart" xmlns:dgm="http://schemas.openxmlformats.org/drawingml/2006/diagram" xmlns:o="urn:schemas-microsoft-com:office:office" xmlns:v="urn:schemas-microsoft-com:vml" xmlns:pvml="urn:schemas-microsoft-com:office:powerpoint" xmlns:com="http://schemas.openxmlformats.org/drawingml/2006/compatibility" xmlns:p14="http://schemas.microsoft.com/office/powerpoint/2010/main" xmlns:p15="http://schemas.microsoft.com/office/powerpoint/2012/main" xmlns:ahyp="http://schemas.microsoft.com/office/drawing/2018/hyperlinkcolor" showMasterPhAnim="0" showMasterSp="0">
   <p:cSld>
@@ -1434,7 +927,7 @@
       </p:grpSpPr>
       <p:sp>
         <p:nvSpPr>
-          <p:cNvPr id="143" name="Google Shape;143;g20681727de2_0_157:notes"/>
+          <p:cNvPr id="143" name="Google Shape;143;g2109ea75f6c_0_0:notes"/>
           <p:cNvSpPr/>
           <p:nvPr>
             <p:ph idx="2" type="sldImg"/>
@@ -1469,7 +962,7 @@
       </p:sp>
       <p:sp>
         <p:nvSpPr>
-          <p:cNvPr id="144" name="Google Shape;144;g20681727de2_0_157:notes"/>
+          <p:cNvPr id="144" name="Google Shape;144;g2109ea75f6c_0_0:notes"/>
           <p:cNvSpPr txBox="1"/>
           <p:nvPr>
             <p:ph idx="1" type="body"/>
@@ -1519,7 +1012,7 @@
   <p:cSld>
     <p:spTree>
       <p:nvGrpSpPr>
-        <p:cNvPr id="148" name="Shape 148"/>
+        <p:cNvPr id="150" name="Shape 150"/>
         <p:cNvGrpSpPr/>
         <p:nvPr/>
       </p:nvGrpSpPr>
@@ -1533,7 +1026,7 @@
       </p:grpSpPr>
       <p:sp>
         <p:nvSpPr>
-          <p:cNvPr id="149" name="Google Shape;149;g20681727de2_0_172:notes"/>
+          <p:cNvPr id="151" name="Google Shape;151;g2109ea75f6c_0_25:notes"/>
           <p:cNvSpPr/>
           <p:nvPr>
             <p:ph idx="2" type="sldImg"/>
@@ -1568,7 +1061,7 @@
       </p:sp>
       <p:sp>
         <p:nvSpPr>
-          <p:cNvPr id="150" name="Google Shape;150;g20681727de2_0_172:notes"/>
+          <p:cNvPr id="152" name="Google Shape;152;g2109ea75f6c_0_25:notes"/>
           <p:cNvSpPr txBox="1"/>
           <p:nvPr>
             <p:ph idx="1" type="body"/>
@@ -1618,7 +1111,7 @@
   <p:cSld>
     <p:spTree>
       <p:nvGrpSpPr>
-        <p:cNvPr id="154" name="Shape 154"/>
+        <p:cNvPr id="157" name="Shape 157"/>
         <p:cNvGrpSpPr/>
         <p:nvPr/>
       </p:nvGrpSpPr>
@@ -1632,7 +1125,7 @@
       </p:grpSpPr>
       <p:sp>
         <p:nvSpPr>
-          <p:cNvPr id="155" name="Google Shape;155;g20681727de2_0_135:notes"/>
+          <p:cNvPr id="158" name="Google Shape;158;g21750e5407a_0_3:notes"/>
           <p:cNvSpPr/>
           <p:nvPr>
             <p:ph idx="2" type="sldImg"/>
@@ -1667,7 +1160,7 @@
       </p:sp>
       <p:sp>
         <p:nvSpPr>
-          <p:cNvPr id="156" name="Google Shape;156;g20681727de2_0_135:notes"/>
+          <p:cNvPr id="159" name="Google Shape;159;g21750e5407a_0_3:notes"/>
           <p:cNvSpPr txBox="1"/>
           <p:nvPr>
             <p:ph idx="1" type="body"/>
@@ -1717,7 +1210,7 @@
   <p:cSld>
     <p:spTree>
       <p:nvGrpSpPr>
-        <p:cNvPr id="160" name="Shape 160"/>
+        <p:cNvPr id="164" name="Shape 164"/>
         <p:cNvGrpSpPr/>
         <p:nvPr/>
       </p:nvGrpSpPr>
@@ -1731,7 +1224,7 @@
       </p:grpSpPr>
       <p:sp>
         <p:nvSpPr>
-          <p:cNvPr id="161" name="Google Shape;161;g20681727de2_0_165:notes"/>
+          <p:cNvPr id="165" name="Google Shape;165;g2109ea75f6c_0_30:notes"/>
           <p:cNvSpPr/>
           <p:nvPr>
             <p:ph idx="2" type="sldImg"/>
@@ -1766,7 +1259,7 @@
       </p:sp>
       <p:sp>
         <p:nvSpPr>
-          <p:cNvPr id="162" name="Google Shape;162;g20681727de2_0_165:notes"/>
+          <p:cNvPr id="166" name="Google Shape;166;g2109ea75f6c_0_30:notes"/>
           <p:cNvSpPr txBox="1"/>
           <p:nvPr>
             <p:ph idx="1" type="body"/>
@@ -1816,7 +1309,7 @@
   <p:cSld>
     <p:spTree>
       <p:nvGrpSpPr>
-        <p:cNvPr id="167" name="Shape 167"/>
+        <p:cNvPr id="172" name="Shape 172"/>
         <p:cNvGrpSpPr/>
         <p:nvPr/>
       </p:nvGrpSpPr>
@@ -1830,7 +1323,7 @@
       </p:grpSpPr>
       <p:sp>
         <p:nvSpPr>
-          <p:cNvPr id="168" name="Google Shape;168;g20681727de2_0_140:notes"/>
+          <p:cNvPr id="173" name="Google Shape;173;g21750e5407a_0_11:notes"/>
           <p:cNvSpPr/>
           <p:nvPr>
             <p:ph idx="2" type="sldImg"/>
@@ -1865,7 +1358,7 @@
       </p:sp>
       <p:sp>
         <p:nvSpPr>
-          <p:cNvPr id="169" name="Google Shape;169;g20681727de2_0_140:notes"/>
+          <p:cNvPr id="174" name="Google Shape;174;g21750e5407a_0_11:notes"/>
           <p:cNvSpPr txBox="1"/>
           <p:nvPr>
             <p:ph idx="1" type="body"/>
@@ -1915,7 +1408,7 @@
   <p:cSld>
     <p:spTree>
       <p:nvGrpSpPr>
-        <p:cNvPr id="175" name="Shape 175"/>
+        <p:cNvPr id="179" name="Shape 179"/>
         <p:cNvGrpSpPr/>
         <p:nvPr/>
       </p:nvGrpSpPr>
@@ -1929,7 +1422,7 @@
       </p:grpSpPr>
       <p:sp>
         <p:nvSpPr>
-          <p:cNvPr id="176" name="Google Shape;176;g20681727de2_0_145:notes"/>
+          <p:cNvPr id="180" name="Google Shape;180;g20681727de2_0_140:notes"/>
           <p:cNvSpPr/>
           <p:nvPr>
             <p:ph idx="2" type="sldImg"/>
@@ -1964,7 +1457,7 @@
       </p:sp>
       <p:sp>
         <p:nvSpPr>
-          <p:cNvPr id="177" name="Google Shape;177;g20681727de2_0_145:notes"/>
+          <p:cNvPr id="181" name="Google Shape;181;g20681727de2_0_140:notes"/>
           <p:cNvSpPr txBox="1"/>
           <p:nvPr>
             <p:ph idx="1" type="body"/>
@@ -2014,7 +1507,7 @@
   <p:cSld>
     <p:spTree>
       <p:nvGrpSpPr>
-        <p:cNvPr id="182" name="Shape 182"/>
+        <p:cNvPr id="185" name="Shape 185"/>
         <p:cNvGrpSpPr/>
         <p:nvPr/>
       </p:nvGrpSpPr>
@@ -2028,7 +1521,7 @@
       </p:grpSpPr>
       <p:sp>
         <p:nvSpPr>
-          <p:cNvPr id="183" name="Google Shape;183;g208ee4ab804_0_0:notes"/>
+          <p:cNvPr id="186" name="Google Shape;186;g20681727de2_0_130:notes"/>
           <p:cNvSpPr/>
           <p:nvPr>
             <p:ph idx="2" type="sldImg"/>
@@ -2063,7 +1556,7 @@
       </p:sp>
       <p:sp>
         <p:nvSpPr>
-          <p:cNvPr id="184" name="Google Shape;184;g208ee4ab804_0_0:notes"/>
+          <p:cNvPr id="187" name="Google Shape;187;g20681727de2_0_130:notes"/>
           <p:cNvSpPr txBox="1"/>
           <p:nvPr>
             <p:ph idx="1" type="body"/>
@@ -10419,991 +9912,6 @@
 </p:sld>
 </file>
 
-<file path=ppt/slides/slide10.xml><?xml version="1.0" encoding="utf-8"?>
-<p:sld xmlns:a="http://schemas.openxmlformats.org/drawingml/2006/main" xmlns:r="http://schemas.openxmlformats.org/officeDocument/2006/relationships" xmlns:mc="http://schemas.openxmlformats.org/markup-compatibility/2006" xmlns:mv="urn:schemas-microsoft-com:mac:vml" xmlns:p="http://schemas.openxmlformats.org/presentationml/2006/main" xmlns:c="http://schemas.openxmlformats.org/drawingml/2006/chart" xmlns:dgm="http://schemas.openxmlformats.org/drawingml/2006/diagram" xmlns:o="urn:schemas-microsoft-com:office:office" xmlns:v="urn:schemas-microsoft-com:vml" xmlns:pvml="urn:schemas-microsoft-com:office:powerpoint" xmlns:com="http://schemas.openxmlformats.org/drawingml/2006/compatibility" xmlns:p14="http://schemas.microsoft.com/office/powerpoint/2010/main" xmlns:p15="http://schemas.microsoft.com/office/powerpoint/2012/main" xmlns:ahyp="http://schemas.microsoft.com/office/drawing/2018/hyperlinkcolor">
-  <p:cSld>
-    <p:spTree>
-      <p:nvGrpSpPr>
-        <p:cNvPr id="192" name="Shape 192"/>
-        <p:cNvGrpSpPr/>
-        <p:nvPr/>
-      </p:nvGrpSpPr>
-      <p:grpSpPr>
-        <a:xfrm>
-          <a:off x="0" y="0"/>
-          <a:ext cx="0" cy="0"/>
-          <a:chOff x="0" y="0"/>
-          <a:chExt cx="0" cy="0"/>
-        </a:xfrm>
-      </p:grpSpPr>
-      <p:sp>
-        <p:nvSpPr>
-          <p:cNvPr id="193" name="Google Shape;193;p22"/>
-          <p:cNvSpPr txBox="1"/>
-          <p:nvPr>
-            <p:ph type="title"/>
-          </p:nvPr>
-        </p:nvSpPr>
-        <p:spPr>
-          <a:xfrm>
-            <a:off x="1297500" y="393750"/>
-            <a:ext cx="7038900" cy="914100"/>
-          </a:xfrm>
-          <a:prstGeom prst="rect">
-            <a:avLst/>
-          </a:prstGeom>
-        </p:spPr>
-        <p:txBody>
-          <a:bodyPr anchorCtr="0" anchor="t" bIns="91425" lIns="91425" spcFirstLastPara="1" rIns="91425" wrap="square" tIns="91425">
-            <a:normAutofit/>
-          </a:bodyPr>
-          <a:lstStyle/>
-          <a:p>
-            <a:pPr indent="0" lvl="0" marL="0" rtl="0" algn="l">
-              <a:spcBef>
-                <a:spcPts val="0"/>
-              </a:spcBef>
-              <a:spcAft>
-                <a:spcPts val="0"/>
-              </a:spcAft>
-              <a:buNone/>
-            </a:pPr>
-            <a:r>
-              <a:t/>
-            </a:r>
-            <a:endParaRPr/>
-          </a:p>
-        </p:txBody>
-      </p:sp>
-      <p:sp>
-        <p:nvSpPr>
-          <p:cNvPr id="194" name="Google Shape;194;p22"/>
-          <p:cNvSpPr txBox="1"/>
-          <p:nvPr>
-            <p:ph idx="1" type="body"/>
-          </p:nvPr>
-        </p:nvSpPr>
-        <p:spPr>
-          <a:xfrm>
-            <a:off x="1297500" y="1567550"/>
-            <a:ext cx="7038900" cy="2911200"/>
-          </a:xfrm>
-          <a:prstGeom prst="rect">
-            <a:avLst/>
-          </a:prstGeom>
-        </p:spPr>
-        <p:txBody>
-          <a:bodyPr anchorCtr="0" anchor="t" bIns="91425" lIns="91425" spcFirstLastPara="1" rIns="91425" wrap="square" tIns="91425">
-            <a:normAutofit/>
-          </a:bodyPr>
-          <a:lstStyle/>
-          <a:p>
-            <a:pPr indent="0" lvl="0" marL="0" rtl="0" algn="l">
-              <a:spcBef>
-                <a:spcPts val="0"/>
-              </a:spcBef>
-              <a:spcAft>
-                <a:spcPts val="1200"/>
-              </a:spcAft>
-              <a:buNone/>
-            </a:pPr>
-            <a:r>
-              <a:t/>
-            </a:r>
-            <a:endParaRPr/>
-          </a:p>
-        </p:txBody>
-      </p:sp>
-      <p:pic>
-        <p:nvPicPr>
-          <p:cNvPr id="195" name="Google Shape;195;p22"/>
-          <p:cNvPicPr preferRelativeResize="0"/>
-          <p:nvPr/>
-        </p:nvPicPr>
-        <p:blipFill>
-          <a:blip r:embed="rId3">
-            <a:alphaModFix/>
-          </a:blip>
-          <a:stretch>
-            <a:fillRect/>
-          </a:stretch>
-        </p:blipFill>
-        <p:spPr>
-          <a:xfrm>
-            <a:off x="4460500" y="393750"/>
-            <a:ext cx="4627999" cy="4557126"/>
-          </a:xfrm>
-          <a:prstGeom prst="rect">
-            <a:avLst/>
-          </a:prstGeom>
-          <a:noFill/>
-          <a:ln>
-            <a:noFill/>
-          </a:ln>
-        </p:spPr>
-      </p:pic>
-      <p:pic>
-        <p:nvPicPr>
-          <p:cNvPr id="196" name="Google Shape;196;p22"/>
-          <p:cNvPicPr preferRelativeResize="0"/>
-          <p:nvPr/>
-        </p:nvPicPr>
-        <p:blipFill>
-          <a:blip r:embed="rId4">
-            <a:alphaModFix/>
-          </a:blip>
-          <a:stretch>
-            <a:fillRect/>
-          </a:stretch>
-        </p:blipFill>
-        <p:spPr>
-          <a:xfrm>
-            <a:off x="-72095" y="456813"/>
-            <a:ext cx="4460499" cy="4229878"/>
-          </a:xfrm>
-          <a:prstGeom prst="rect">
-            <a:avLst/>
-          </a:prstGeom>
-          <a:noFill/>
-          <a:ln>
-            <a:noFill/>
-          </a:ln>
-        </p:spPr>
-      </p:pic>
-    </p:spTree>
-  </p:cSld>
-  <p:clrMapOvr>
-    <a:masterClrMapping/>
-  </p:clrMapOvr>
-</p:sld>
-</file>
-
-<file path=ppt/slides/slide11.xml><?xml version="1.0" encoding="utf-8"?>
-<p:sld xmlns:a="http://schemas.openxmlformats.org/drawingml/2006/main" xmlns:r="http://schemas.openxmlformats.org/officeDocument/2006/relationships" xmlns:mc="http://schemas.openxmlformats.org/markup-compatibility/2006" xmlns:mv="urn:schemas-microsoft-com:mac:vml" xmlns:p="http://schemas.openxmlformats.org/presentationml/2006/main" xmlns:c="http://schemas.openxmlformats.org/drawingml/2006/chart" xmlns:dgm="http://schemas.openxmlformats.org/drawingml/2006/diagram" xmlns:o="urn:schemas-microsoft-com:office:office" xmlns:v="urn:schemas-microsoft-com:vml" xmlns:pvml="urn:schemas-microsoft-com:office:powerpoint" xmlns:com="http://schemas.openxmlformats.org/drawingml/2006/compatibility" xmlns:p14="http://schemas.microsoft.com/office/powerpoint/2010/main" xmlns:p15="http://schemas.microsoft.com/office/powerpoint/2012/main" xmlns:ahyp="http://schemas.microsoft.com/office/drawing/2018/hyperlinkcolor">
-  <p:cSld>
-    <p:spTree>
-      <p:nvGrpSpPr>
-        <p:cNvPr id="200" name="Shape 200"/>
-        <p:cNvGrpSpPr/>
-        <p:nvPr/>
-      </p:nvGrpSpPr>
-      <p:grpSpPr>
-        <a:xfrm>
-          <a:off x="0" y="0"/>
-          <a:ext cx="0" cy="0"/>
-          <a:chOff x="0" y="0"/>
-          <a:chExt cx="0" cy="0"/>
-        </a:xfrm>
-      </p:grpSpPr>
-      <p:sp>
-        <p:nvSpPr>
-          <p:cNvPr id="201" name="Google Shape;201;p23"/>
-          <p:cNvSpPr txBox="1"/>
-          <p:nvPr>
-            <p:ph type="title"/>
-          </p:nvPr>
-        </p:nvSpPr>
-        <p:spPr>
-          <a:xfrm>
-            <a:off x="1297500" y="393750"/>
-            <a:ext cx="7038900" cy="914100"/>
-          </a:xfrm>
-          <a:prstGeom prst="rect">
-            <a:avLst/>
-          </a:prstGeom>
-        </p:spPr>
-        <p:txBody>
-          <a:bodyPr anchorCtr="0" anchor="t" bIns="91425" lIns="91425" spcFirstLastPara="1" rIns="91425" wrap="square" tIns="91425">
-            <a:normAutofit/>
-          </a:bodyPr>
-          <a:lstStyle/>
-          <a:p>
-            <a:pPr indent="0" lvl="0" marL="0" rtl="0" algn="l">
-              <a:spcBef>
-                <a:spcPts val="0"/>
-              </a:spcBef>
-              <a:spcAft>
-                <a:spcPts val="0"/>
-              </a:spcAft>
-              <a:buNone/>
-            </a:pPr>
-            <a:r>
-              <a:t/>
-            </a:r>
-            <a:endParaRPr/>
-          </a:p>
-        </p:txBody>
-      </p:sp>
-      <p:sp>
-        <p:nvSpPr>
-          <p:cNvPr id="202" name="Google Shape;202;p23"/>
-          <p:cNvSpPr txBox="1"/>
-          <p:nvPr>
-            <p:ph idx="1" type="body"/>
-          </p:nvPr>
-        </p:nvSpPr>
-        <p:spPr>
-          <a:xfrm>
-            <a:off x="1297500" y="1567550"/>
-            <a:ext cx="7038900" cy="2911200"/>
-          </a:xfrm>
-          <a:prstGeom prst="rect">
-            <a:avLst/>
-          </a:prstGeom>
-        </p:spPr>
-        <p:txBody>
-          <a:bodyPr anchorCtr="0" anchor="t" bIns="91425" lIns="91425" spcFirstLastPara="1" rIns="91425" wrap="square" tIns="91425">
-            <a:normAutofit/>
-          </a:bodyPr>
-          <a:lstStyle/>
-          <a:p>
-            <a:pPr indent="0" lvl="0" marL="0" rtl="0" algn="l">
-              <a:spcBef>
-                <a:spcPts val="0"/>
-              </a:spcBef>
-              <a:spcAft>
-                <a:spcPts val="1200"/>
-              </a:spcAft>
-              <a:buNone/>
-            </a:pPr>
-            <a:r>
-              <a:t/>
-            </a:r>
-            <a:endParaRPr/>
-          </a:p>
-        </p:txBody>
-      </p:sp>
-      <p:pic>
-        <p:nvPicPr>
-          <p:cNvPr id="203" name="Google Shape;203;p23"/>
-          <p:cNvPicPr preferRelativeResize="0"/>
-          <p:nvPr/>
-        </p:nvPicPr>
-        <p:blipFill>
-          <a:blip r:embed="rId3">
-            <a:alphaModFix/>
-          </a:blip>
-          <a:stretch>
-            <a:fillRect/>
-          </a:stretch>
-        </p:blipFill>
-        <p:spPr>
-          <a:xfrm>
-            <a:off x="4144590" y="1567550"/>
-            <a:ext cx="4999409" cy="3648226"/>
-          </a:xfrm>
-          <a:prstGeom prst="rect">
-            <a:avLst/>
-          </a:prstGeom>
-          <a:noFill/>
-          <a:ln>
-            <a:noFill/>
-          </a:ln>
-        </p:spPr>
-      </p:pic>
-      <p:pic>
-        <p:nvPicPr>
-          <p:cNvPr id="204" name="Google Shape;204;p23"/>
-          <p:cNvPicPr preferRelativeResize="0"/>
-          <p:nvPr/>
-        </p:nvPicPr>
-        <p:blipFill>
-          <a:blip r:embed="rId4">
-            <a:alphaModFix/>
-          </a:blip>
-          <a:stretch>
-            <a:fillRect/>
-          </a:stretch>
-        </p:blipFill>
-        <p:spPr>
-          <a:xfrm>
-            <a:off x="75550" y="1567550"/>
-            <a:ext cx="3938949" cy="3575951"/>
-          </a:xfrm>
-          <a:prstGeom prst="rect">
-            <a:avLst/>
-          </a:prstGeom>
-          <a:noFill/>
-          <a:ln>
-            <a:noFill/>
-          </a:ln>
-        </p:spPr>
-      </p:pic>
-    </p:spTree>
-  </p:cSld>
-  <p:clrMapOvr>
-    <a:masterClrMapping/>
-  </p:clrMapOvr>
-</p:sld>
-</file>
-
-<file path=ppt/slides/slide12.xml><?xml version="1.0" encoding="utf-8"?>
-<p:sld xmlns:a="http://schemas.openxmlformats.org/drawingml/2006/main" xmlns:r="http://schemas.openxmlformats.org/officeDocument/2006/relationships" xmlns:mc="http://schemas.openxmlformats.org/markup-compatibility/2006" xmlns:mv="urn:schemas-microsoft-com:mac:vml" xmlns:p="http://schemas.openxmlformats.org/presentationml/2006/main" xmlns:c="http://schemas.openxmlformats.org/drawingml/2006/chart" xmlns:dgm="http://schemas.openxmlformats.org/drawingml/2006/diagram" xmlns:o="urn:schemas-microsoft-com:office:office" xmlns:v="urn:schemas-microsoft-com:vml" xmlns:pvml="urn:schemas-microsoft-com:office:powerpoint" xmlns:com="http://schemas.openxmlformats.org/drawingml/2006/compatibility" xmlns:p14="http://schemas.microsoft.com/office/powerpoint/2010/main" xmlns:p15="http://schemas.microsoft.com/office/powerpoint/2012/main" xmlns:ahyp="http://schemas.microsoft.com/office/drawing/2018/hyperlinkcolor">
-  <p:cSld>
-    <p:spTree>
-      <p:nvGrpSpPr>
-        <p:cNvPr id="208" name="Shape 208"/>
-        <p:cNvGrpSpPr/>
-        <p:nvPr/>
-      </p:nvGrpSpPr>
-      <p:grpSpPr>
-        <a:xfrm>
-          <a:off x="0" y="0"/>
-          <a:ext cx="0" cy="0"/>
-          <a:chOff x="0" y="0"/>
-          <a:chExt cx="0" cy="0"/>
-        </a:xfrm>
-      </p:grpSpPr>
-      <p:sp>
-        <p:nvSpPr>
-          <p:cNvPr id="209" name="Google Shape;209;p24"/>
-          <p:cNvSpPr txBox="1"/>
-          <p:nvPr>
-            <p:ph type="title"/>
-          </p:nvPr>
-        </p:nvSpPr>
-        <p:spPr>
-          <a:xfrm>
-            <a:off x="1297500" y="393750"/>
-            <a:ext cx="7038900" cy="914100"/>
-          </a:xfrm>
-          <a:prstGeom prst="rect">
-            <a:avLst/>
-          </a:prstGeom>
-        </p:spPr>
-        <p:txBody>
-          <a:bodyPr anchorCtr="0" anchor="t" bIns="91425" lIns="91425" spcFirstLastPara="1" rIns="91425" wrap="square" tIns="91425">
-            <a:normAutofit/>
-          </a:bodyPr>
-          <a:lstStyle/>
-          <a:p>
-            <a:pPr indent="0" lvl="0" marL="0" rtl="0" algn="l">
-              <a:spcBef>
-                <a:spcPts val="0"/>
-              </a:spcBef>
-              <a:spcAft>
-                <a:spcPts val="0"/>
-              </a:spcAft>
-              <a:buNone/>
-            </a:pPr>
-            <a:r>
-              <a:rPr lang="en"/>
-              <a:t>Data</a:t>
-            </a:r>
-            <a:endParaRPr/>
-          </a:p>
-        </p:txBody>
-      </p:sp>
-      <p:sp>
-        <p:nvSpPr>
-          <p:cNvPr id="210" name="Google Shape;210;p24"/>
-          <p:cNvSpPr txBox="1"/>
-          <p:nvPr>
-            <p:ph idx="1" type="body"/>
-          </p:nvPr>
-        </p:nvSpPr>
-        <p:spPr>
-          <a:xfrm>
-            <a:off x="1297500" y="1567550"/>
-            <a:ext cx="7038900" cy="2911200"/>
-          </a:xfrm>
-          <a:prstGeom prst="rect">
-            <a:avLst/>
-          </a:prstGeom>
-        </p:spPr>
-        <p:txBody>
-          <a:bodyPr anchorCtr="0" anchor="t" bIns="91425" lIns="91425" spcFirstLastPara="1" rIns="91425" wrap="square" tIns="91425">
-            <a:normAutofit/>
-          </a:bodyPr>
-          <a:lstStyle/>
-          <a:p>
-            <a:pPr indent="0" lvl="0" marL="0" rtl="0" algn="l">
-              <a:spcBef>
-                <a:spcPts val="0"/>
-              </a:spcBef>
-              <a:spcAft>
-                <a:spcPts val="0"/>
-              </a:spcAft>
-              <a:buNone/>
-            </a:pPr>
-            <a:r>
-              <a:rPr lang="en"/>
-              <a:t>The data is mostly comprised of labeled images either labeled as control or </a:t>
-            </a:r>
-            <a:r>
-              <a:rPr lang="en"/>
-              <a:t>labeled</a:t>
-            </a:r>
-            <a:r>
-              <a:rPr lang="en"/>
-              <a:t> as </a:t>
-            </a:r>
-            <a:r>
-              <a:rPr lang="en"/>
-              <a:t>Parkinson's</a:t>
-            </a:r>
-            <a:endParaRPr/>
-          </a:p>
-          <a:p>
-            <a:pPr indent="0" lvl="0" marL="0" rtl="0" algn="l">
-              <a:spcBef>
-                <a:spcPts val="1200"/>
-              </a:spcBef>
-              <a:spcAft>
-                <a:spcPts val="0"/>
-              </a:spcAft>
-              <a:buNone/>
-            </a:pPr>
-            <a:r>
-              <a:rPr lang="en"/>
-              <a:t>The second data set is made up of images but also has corresponding csv files that indicate the amount of time taken to draw and the amount of pressure on the pen for each image</a:t>
-            </a:r>
-            <a:r>
-              <a:rPr lang="en"/>
-              <a:t>.</a:t>
-            </a:r>
-            <a:endParaRPr/>
-          </a:p>
-          <a:p>
-            <a:pPr indent="0" lvl="0" marL="0" rtl="0" algn="l">
-              <a:spcBef>
-                <a:spcPts val="1200"/>
-              </a:spcBef>
-              <a:spcAft>
-                <a:spcPts val="1200"/>
-              </a:spcAft>
-              <a:buNone/>
-            </a:pPr>
-            <a:r>
-              <a:t/>
-            </a:r>
-            <a:endParaRPr/>
-          </a:p>
-        </p:txBody>
-      </p:sp>
-    </p:spTree>
-  </p:cSld>
-  <p:clrMapOvr>
-    <a:masterClrMapping/>
-  </p:clrMapOvr>
-</p:sld>
-</file>
-
-<file path=ppt/slides/slide13.xml><?xml version="1.0" encoding="utf-8"?>
-<p:sld xmlns:a="http://schemas.openxmlformats.org/drawingml/2006/main" xmlns:r="http://schemas.openxmlformats.org/officeDocument/2006/relationships" xmlns:mc="http://schemas.openxmlformats.org/markup-compatibility/2006" xmlns:mv="urn:schemas-microsoft-com:mac:vml" xmlns:p="http://schemas.openxmlformats.org/presentationml/2006/main" xmlns:c="http://schemas.openxmlformats.org/drawingml/2006/chart" xmlns:dgm="http://schemas.openxmlformats.org/drawingml/2006/diagram" xmlns:o="urn:schemas-microsoft-com:office:office" xmlns:v="urn:schemas-microsoft-com:vml" xmlns:pvml="urn:schemas-microsoft-com:office:powerpoint" xmlns:com="http://schemas.openxmlformats.org/drawingml/2006/compatibility" xmlns:p14="http://schemas.microsoft.com/office/powerpoint/2010/main" xmlns:p15="http://schemas.microsoft.com/office/powerpoint/2012/main" xmlns:ahyp="http://schemas.microsoft.com/office/drawing/2018/hyperlinkcolor">
-  <p:cSld>
-    <p:spTree>
-      <p:nvGrpSpPr>
-        <p:cNvPr id="214" name="Shape 214"/>
-        <p:cNvGrpSpPr/>
-        <p:nvPr/>
-      </p:nvGrpSpPr>
-      <p:grpSpPr>
-        <a:xfrm>
-          <a:off x="0" y="0"/>
-          <a:ext cx="0" cy="0"/>
-          <a:chOff x="0" y="0"/>
-          <a:chExt cx="0" cy="0"/>
-        </a:xfrm>
-      </p:grpSpPr>
-      <p:sp>
-        <p:nvSpPr>
-          <p:cNvPr id="215" name="Google Shape;215;p25"/>
-          <p:cNvSpPr txBox="1"/>
-          <p:nvPr>
-            <p:ph type="title"/>
-          </p:nvPr>
-        </p:nvSpPr>
-        <p:spPr>
-          <a:xfrm>
-            <a:off x="1297500" y="393750"/>
-            <a:ext cx="7038900" cy="914100"/>
-          </a:xfrm>
-          <a:prstGeom prst="rect">
-            <a:avLst/>
-          </a:prstGeom>
-        </p:spPr>
-        <p:txBody>
-          <a:bodyPr anchorCtr="0" anchor="t" bIns="91425" lIns="91425" spcFirstLastPara="1" rIns="91425" wrap="square" tIns="91425">
-            <a:normAutofit/>
-          </a:bodyPr>
-          <a:lstStyle/>
-          <a:p>
-            <a:pPr indent="0" lvl="0" marL="0" rtl="0" algn="l">
-              <a:spcBef>
-                <a:spcPts val="0"/>
-              </a:spcBef>
-              <a:spcAft>
-                <a:spcPts val="0"/>
-              </a:spcAft>
-              <a:buNone/>
-            </a:pPr>
-            <a:r>
-              <a:rPr lang="en"/>
-              <a:t>Application</a:t>
-            </a:r>
-            <a:endParaRPr/>
-          </a:p>
-        </p:txBody>
-      </p:sp>
-      <p:sp>
-        <p:nvSpPr>
-          <p:cNvPr id="216" name="Google Shape;216;p25"/>
-          <p:cNvSpPr txBox="1"/>
-          <p:nvPr>
-            <p:ph idx="1" type="body"/>
-          </p:nvPr>
-        </p:nvSpPr>
-        <p:spPr>
-          <a:xfrm>
-            <a:off x="1297500" y="1567550"/>
-            <a:ext cx="7038900" cy="2911200"/>
-          </a:xfrm>
-          <a:prstGeom prst="rect">
-            <a:avLst/>
-          </a:prstGeom>
-        </p:spPr>
-        <p:txBody>
-          <a:bodyPr anchorCtr="0" anchor="t" bIns="91425" lIns="91425" spcFirstLastPara="1" rIns="91425" wrap="square" tIns="91425">
-            <a:normAutofit/>
-          </a:bodyPr>
-          <a:lstStyle/>
-          <a:p>
-            <a:pPr indent="0" lvl="0" marL="0" rtl="0" algn="l">
-              <a:spcBef>
-                <a:spcPts val="0"/>
-              </a:spcBef>
-              <a:spcAft>
-                <a:spcPts val="0"/>
-              </a:spcAft>
-              <a:buNone/>
-            </a:pPr>
-            <a:r>
-              <a:rPr lang="en"/>
-              <a:t>The use of machine learning in </a:t>
-            </a:r>
-            <a:r>
-              <a:rPr lang="en"/>
-              <a:t>Classifying</a:t>
-            </a:r>
-            <a:r>
-              <a:rPr lang="en"/>
-              <a:t> and predicting </a:t>
-            </a:r>
-            <a:r>
-              <a:rPr lang="en"/>
-              <a:t>whether</a:t>
-            </a:r>
-            <a:r>
-              <a:rPr lang="en"/>
-              <a:t> certain drawings </a:t>
-            </a:r>
-            <a:r>
-              <a:rPr lang="en"/>
-              <a:t>indicate</a:t>
-            </a:r>
-            <a:r>
-              <a:rPr lang="en"/>
-              <a:t> Parkinson can be used as a </a:t>
-            </a:r>
-            <a:r>
-              <a:rPr lang="en"/>
-              <a:t>benchmark</a:t>
-            </a:r>
-            <a:r>
-              <a:rPr lang="en"/>
-              <a:t> for the development of Parkinson and help professionals determine the </a:t>
-            </a:r>
-            <a:r>
-              <a:rPr lang="en"/>
-              <a:t>severity</a:t>
-            </a:r>
-            <a:r>
-              <a:rPr lang="en"/>
-              <a:t> in less time.</a:t>
-            </a:r>
-            <a:endParaRPr/>
-          </a:p>
-          <a:p>
-            <a:pPr indent="0" lvl="0" marL="0" rtl="0" algn="l">
-              <a:spcBef>
-                <a:spcPts val="1200"/>
-              </a:spcBef>
-              <a:spcAft>
-                <a:spcPts val="0"/>
-              </a:spcAft>
-              <a:buNone/>
-            </a:pPr>
-            <a:r>
-              <a:t/>
-            </a:r>
-            <a:endParaRPr/>
-          </a:p>
-          <a:p>
-            <a:pPr indent="0" lvl="0" marL="0" rtl="0" algn="l">
-              <a:spcBef>
-                <a:spcPts val="1200"/>
-              </a:spcBef>
-              <a:spcAft>
-                <a:spcPts val="1200"/>
-              </a:spcAft>
-              <a:buNone/>
-            </a:pPr>
-            <a:r>
-              <a:rPr lang="en"/>
-              <a:t>A goal of this project would be to have a working application in which a </a:t>
-            </a:r>
-            <a:r>
-              <a:rPr lang="en"/>
-              <a:t>questionnaire</a:t>
-            </a:r>
-            <a:r>
-              <a:rPr lang="en"/>
-              <a:t> can be answered and a photo can be uploaded of a drawing and it will give </a:t>
-            </a:r>
-            <a:r>
-              <a:rPr lang="en"/>
-              <a:t>diagnosis.</a:t>
-            </a:r>
-            <a:endParaRPr/>
-          </a:p>
-        </p:txBody>
-      </p:sp>
-    </p:spTree>
-  </p:cSld>
-  <p:clrMapOvr>
-    <a:masterClrMapping/>
-  </p:clrMapOvr>
-</p:sld>
-</file>
-
-<file path=ppt/slides/slide14.xml><?xml version="1.0" encoding="utf-8"?>
-<p:sld xmlns:a="http://schemas.openxmlformats.org/drawingml/2006/main" xmlns:r="http://schemas.openxmlformats.org/officeDocument/2006/relationships" xmlns:mc="http://schemas.openxmlformats.org/markup-compatibility/2006" xmlns:mv="urn:schemas-microsoft-com:mac:vml" xmlns:p="http://schemas.openxmlformats.org/presentationml/2006/main" xmlns:c="http://schemas.openxmlformats.org/drawingml/2006/chart" xmlns:dgm="http://schemas.openxmlformats.org/drawingml/2006/diagram" xmlns:o="urn:schemas-microsoft-com:office:office" xmlns:v="urn:schemas-microsoft-com:vml" xmlns:pvml="urn:schemas-microsoft-com:office:powerpoint" xmlns:com="http://schemas.openxmlformats.org/drawingml/2006/compatibility" xmlns:p14="http://schemas.microsoft.com/office/powerpoint/2010/main" xmlns:p15="http://schemas.microsoft.com/office/powerpoint/2012/main" xmlns:ahyp="http://schemas.microsoft.com/office/drawing/2018/hyperlinkcolor">
-  <p:cSld>
-    <p:spTree>
-      <p:nvGrpSpPr>
-        <p:cNvPr id="220" name="Shape 220"/>
-        <p:cNvGrpSpPr/>
-        <p:nvPr/>
-      </p:nvGrpSpPr>
-      <p:grpSpPr>
-        <a:xfrm>
-          <a:off x="0" y="0"/>
-          <a:ext cx="0" cy="0"/>
-          <a:chOff x="0" y="0"/>
-          <a:chExt cx="0" cy="0"/>
-        </a:xfrm>
-      </p:grpSpPr>
-      <p:sp>
-        <p:nvSpPr>
-          <p:cNvPr id="221" name="Google Shape;221;p26"/>
-          <p:cNvSpPr txBox="1"/>
-          <p:nvPr>
-            <p:ph type="title"/>
-          </p:nvPr>
-        </p:nvSpPr>
-        <p:spPr>
-          <a:xfrm>
-            <a:off x="1297500" y="393750"/>
-            <a:ext cx="7038900" cy="914100"/>
-          </a:xfrm>
-          <a:prstGeom prst="rect">
-            <a:avLst/>
-          </a:prstGeom>
-        </p:spPr>
-        <p:txBody>
-          <a:bodyPr anchorCtr="0" anchor="t" bIns="91425" lIns="91425" spcFirstLastPara="1" rIns="91425" wrap="square" tIns="91425">
-            <a:normAutofit/>
-          </a:bodyPr>
-          <a:lstStyle/>
-          <a:p>
-            <a:pPr indent="0" lvl="0" marL="0" rtl="0" algn="l">
-              <a:spcBef>
-                <a:spcPts val="0"/>
-              </a:spcBef>
-              <a:spcAft>
-                <a:spcPts val="0"/>
-              </a:spcAft>
-              <a:buNone/>
-            </a:pPr>
-            <a:r>
-              <a:rPr lang="en"/>
-              <a:t>Citations </a:t>
-            </a:r>
-            <a:endParaRPr/>
-          </a:p>
-        </p:txBody>
-      </p:sp>
-      <p:sp>
-        <p:nvSpPr>
-          <p:cNvPr id="222" name="Google Shape;222;p26"/>
-          <p:cNvSpPr txBox="1"/>
-          <p:nvPr>
-            <p:ph idx="1" type="body"/>
-          </p:nvPr>
-        </p:nvSpPr>
-        <p:spPr>
-          <a:xfrm>
-            <a:off x="1297500" y="1567550"/>
-            <a:ext cx="7038900" cy="2911200"/>
-          </a:xfrm>
-          <a:prstGeom prst="rect">
-            <a:avLst/>
-          </a:prstGeom>
-        </p:spPr>
-        <p:txBody>
-          <a:bodyPr anchorCtr="0" anchor="t" bIns="91425" lIns="91425" spcFirstLastPara="1" rIns="91425" wrap="square" tIns="91425">
-            <a:noAutofit/>
-          </a:bodyPr>
-          <a:lstStyle/>
-          <a:p>
-            <a:pPr indent="0" lvl="0" marL="0" rtl="0" algn="l">
-              <a:spcBef>
-                <a:spcPts val="0"/>
-              </a:spcBef>
-              <a:spcAft>
-                <a:spcPts val="0"/>
-              </a:spcAft>
-              <a:buNone/>
-            </a:pPr>
-            <a:r>
-              <a:t/>
-            </a:r>
-            <a:endParaRPr sz="800">
-              <a:solidFill>
-                <a:srgbClr val="F7F7F8"/>
-              </a:solidFill>
-            </a:endParaRPr>
-          </a:p>
-          <a:p>
-            <a:pPr indent="0" lvl="0" marL="0" rtl="0" algn="l">
-              <a:spcBef>
-                <a:spcPts val="1200"/>
-              </a:spcBef>
-              <a:spcAft>
-                <a:spcPts val="0"/>
-              </a:spcAft>
-              <a:buNone/>
-            </a:pPr>
-            <a:r>
-              <a:rPr lang="en" sz="800">
-                <a:solidFill>
-                  <a:srgbClr val="F7F7F8"/>
-                </a:solidFill>
-              </a:rPr>
-              <a:t>1.</a:t>
-            </a:r>
-            <a:endParaRPr sz="800">
-              <a:solidFill>
-                <a:srgbClr val="F7F7F8"/>
-              </a:solidFill>
-            </a:endParaRPr>
-          </a:p>
-          <a:p>
-            <a:pPr indent="0" lvl="0" marL="0" rtl="0" algn="l">
-              <a:spcBef>
-                <a:spcPts val="1200"/>
-              </a:spcBef>
-              <a:spcAft>
-                <a:spcPts val="0"/>
-              </a:spcAft>
-              <a:buNone/>
-            </a:pPr>
-            <a:r>
-              <a:rPr lang="en" sz="800">
-                <a:solidFill>
-                  <a:srgbClr val="F7F7F8"/>
-                </a:solidFill>
-                <a:latin typeface="Roboto"/>
-                <a:ea typeface="Roboto"/>
-                <a:cs typeface="Roboto"/>
-                <a:sym typeface="Roboto"/>
-              </a:rPr>
-              <a:t>Nackaerts E, Broeder S, Pereira MP, Swinnen SP, Vandenberghe W, Nieuwboer A, Heremans E. Handwriting training in Parkinson's disease: A trade-off between size, speed and fluency. PLoS One. 2017 Dec 22;12(12):e0190223. doi: 10.1371/journal.pone.0190223. PMID: 29272301; PMCID: PMC5741263.</a:t>
-            </a:r>
-            <a:endParaRPr sz="800">
-              <a:solidFill>
-                <a:srgbClr val="F7F7F8"/>
-              </a:solidFill>
-            </a:endParaRPr>
-          </a:p>
-          <a:p>
-            <a:pPr indent="0" lvl="0" marL="0" rtl="0" algn="l">
-              <a:spcBef>
-                <a:spcPts val="1200"/>
-              </a:spcBef>
-              <a:spcAft>
-                <a:spcPts val="0"/>
-              </a:spcAft>
-              <a:buNone/>
-            </a:pPr>
-            <a:r>
-              <a:rPr lang="en" sz="800">
-                <a:solidFill>
-                  <a:srgbClr val="F7F7F8"/>
-                </a:solidFill>
-              </a:rPr>
-              <a:t>2.</a:t>
-            </a:r>
-            <a:endParaRPr sz="800">
-              <a:solidFill>
-                <a:srgbClr val="F7F7F8"/>
-              </a:solidFill>
-            </a:endParaRPr>
-          </a:p>
-          <a:p>
-            <a:pPr indent="0" lvl="0" marL="0" rtl="0" algn="l">
-              <a:spcBef>
-                <a:spcPts val="1200"/>
-              </a:spcBef>
-              <a:spcAft>
-                <a:spcPts val="0"/>
-              </a:spcAft>
-              <a:buNone/>
-            </a:pPr>
-            <a:r>
-              <a:rPr lang="en" sz="800">
-                <a:solidFill>
-                  <a:srgbClr val="F7F7F8"/>
-                </a:solidFill>
-                <a:latin typeface="Roboto"/>
-                <a:ea typeface="Roboto"/>
-                <a:cs typeface="Roboto"/>
-                <a:sym typeface="Roboto"/>
-              </a:rPr>
-              <a:t>Thomas M, Lenka A, Kumar Pal P. Handwriting Analysis in Parkinson's Disease: Current Status and Future Directions. Mov Disord Clin Pract. 2017 Nov 1;4(6):806-818. doi: 10.1002/mdc3.12552. PMID: 30363367; PMCID: PMC6174397.</a:t>
-            </a:r>
-            <a:endParaRPr sz="800">
-              <a:solidFill>
-                <a:srgbClr val="F7F7F8"/>
-              </a:solidFill>
-              <a:latin typeface="Roboto"/>
-              <a:ea typeface="Roboto"/>
-              <a:cs typeface="Roboto"/>
-              <a:sym typeface="Roboto"/>
-            </a:endParaRPr>
-          </a:p>
-          <a:p>
-            <a:pPr indent="0" lvl="0" marL="0" rtl="0" algn="l">
-              <a:spcBef>
-                <a:spcPts val="1200"/>
-              </a:spcBef>
-              <a:spcAft>
-                <a:spcPts val="0"/>
-              </a:spcAft>
-              <a:buNone/>
-            </a:pPr>
-            <a:r>
-              <a:rPr lang="en" sz="800">
-                <a:solidFill>
-                  <a:srgbClr val="F7F7F8"/>
-                </a:solidFill>
-                <a:latin typeface="Roboto"/>
-                <a:ea typeface="Roboto"/>
-                <a:cs typeface="Roboto"/>
-                <a:sym typeface="Roboto"/>
-              </a:rPr>
-              <a:t>3.</a:t>
-            </a:r>
-            <a:endParaRPr sz="800">
-              <a:solidFill>
-                <a:srgbClr val="F7F7F8"/>
-              </a:solidFill>
-              <a:latin typeface="Roboto"/>
-              <a:ea typeface="Roboto"/>
-              <a:cs typeface="Roboto"/>
-              <a:sym typeface="Roboto"/>
-            </a:endParaRPr>
-          </a:p>
-          <a:p>
-            <a:pPr indent="0" lvl="0" marL="355600" rtl="0" algn="l">
-              <a:spcBef>
-                <a:spcPts val="1200"/>
-              </a:spcBef>
-              <a:spcAft>
-                <a:spcPts val="0"/>
-              </a:spcAft>
-              <a:buNone/>
-            </a:pPr>
-            <a:r>
-              <a:rPr lang="en" sz="800">
-                <a:solidFill>
-                  <a:srgbClr val="F7F7F8"/>
-                </a:solidFill>
-                <a:latin typeface="Arial"/>
-                <a:ea typeface="Arial"/>
-                <a:cs typeface="Arial"/>
-                <a:sym typeface="Arial"/>
-              </a:rPr>
-              <a:t>Zham, P., Kumar, D. K., Dabnichki, P., Poosapadi Arjunan, S., &amp; Raghav, S. (2017, August 8). </a:t>
-            </a:r>
-            <a:r>
-              <a:rPr i="1" lang="en" sz="800">
-                <a:solidFill>
-                  <a:srgbClr val="F7F7F8"/>
-                </a:solidFill>
-                <a:latin typeface="Arial"/>
-                <a:ea typeface="Arial"/>
-                <a:cs typeface="Arial"/>
-                <a:sym typeface="Arial"/>
-              </a:rPr>
-              <a:t>Distinguishing different stages of parkinson's disease using composite index of speed and pen-pressure of sketching a spiral</a:t>
-            </a:r>
-            <a:r>
-              <a:rPr lang="en" sz="800">
-                <a:solidFill>
-                  <a:srgbClr val="F7F7F8"/>
-                </a:solidFill>
-                <a:latin typeface="Arial"/>
-                <a:ea typeface="Arial"/>
-                <a:cs typeface="Arial"/>
-                <a:sym typeface="Arial"/>
-              </a:rPr>
-              <a:t>. Frontiers. Retrieved February 15, 2023, from https://www.frontiersin.org/articles/10.3389/fneur.2017.00435/full </a:t>
-            </a:r>
-            <a:endParaRPr sz="800">
-              <a:solidFill>
-                <a:srgbClr val="F7F7F8"/>
-              </a:solidFill>
-              <a:latin typeface="Arial"/>
-              <a:ea typeface="Arial"/>
-              <a:cs typeface="Arial"/>
-              <a:sym typeface="Arial"/>
-            </a:endParaRPr>
-          </a:p>
-          <a:p>
-            <a:pPr indent="0" lvl="0" marL="0" rtl="0" algn="l">
-              <a:spcBef>
-                <a:spcPts val="1200"/>
-              </a:spcBef>
-              <a:spcAft>
-                <a:spcPts val="1200"/>
-              </a:spcAft>
-              <a:buNone/>
-            </a:pPr>
-            <a:r>
-              <a:t/>
-            </a:r>
-            <a:endParaRPr sz="800">
-              <a:solidFill>
-                <a:srgbClr val="F7F7F8"/>
-              </a:solidFill>
-              <a:latin typeface="Roboto"/>
-              <a:ea typeface="Roboto"/>
-              <a:cs typeface="Roboto"/>
-              <a:sym typeface="Roboto"/>
-            </a:endParaRPr>
-          </a:p>
-        </p:txBody>
-      </p:sp>
-    </p:spTree>
-  </p:cSld>
-  <p:clrMapOvr>
-    <a:masterClrMapping/>
-  </p:clrMapOvr>
-</p:sld>
-</file>
-
 <file path=ppt/slides/slide2.xml><?xml version="1.0" encoding="utf-8"?>
 <p:sld xmlns:a="http://schemas.openxmlformats.org/drawingml/2006/main" xmlns:r="http://schemas.openxmlformats.org/officeDocument/2006/relationships" xmlns:mc="http://schemas.openxmlformats.org/markup-compatibility/2006" xmlns:mv="urn:schemas-microsoft-com:mac:vml" xmlns:p="http://schemas.openxmlformats.org/presentationml/2006/main" xmlns:c="http://schemas.openxmlformats.org/drawingml/2006/chart" xmlns:dgm="http://schemas.openxmlformats.org/drawingml/2006/diagram" xmlns:o="urn:schemas-microsoft-com:office:office" xmlns:v="urn:schemas-microsoft-com:vml" xmlns:pvml="urn:schemas-microsoft-com:office:powerpoint" xmlns:com="http://schemas.openxmlformats.org/drawingml/2006/compatibility" xmlns:p14="http://schemas.microsoft.com/office/powerpoint/2010/main" xmlns:p15="http://schemas.microsoft.com/office/powerpoint/2012/main" xmlns:ahyp="http://schemas.microsoft.com/office/drawing/2018/hyperlinkcolor">
   <p:cSld>
@@ -11500,15 +10008,7 @@
             </a:pPr>
             <a:r>
               <a:rPr lang="en"/>
-              <a:t>Data exploration to help </a:t>
-            </a:r>
-            <a:r>
-              <a:rPr lang="en"/>
-              <a:t>visualize</a:t>
-            </a:r>
-            <a:r>
-              <a:rPr lang="en"/>
-              <a:t> the data</a:t>
+              <a:t>Worked on models </a:t>
             </a:r>
             <a:endParaRPr/>
           </a:p>
@@ -11525,7 +10025,15 @@
             </a:pPr>
             <a:r>
               <a:rPr lang="en"/>
-              <a:t>Collected new data set</a:t>
+              <a:t>Compared the </a:t>
+            </a:r>
+            <a:r>
+              <a:rPr lang="en"/>
+              <a:t>strengths</a:t>
+            </a:r>
+            <a:r>
+              <a:rPr lang="en"/>
+              <a:t> of variables </a:t>
             </a:r>
             <a:endParaRPr/>
           </a:p>
@@ -11542,28 +10050,7 @@
             </a:pPr>
             <a:r>
               <a:rPr lang="en"/>
-              <a:t>Found more analysis </a:t>
-            </a:r>
-            <a:r>
-              <a:rPr lang="en"/>
-              <a:t>opportunities</a:t>
-            </a:r>
-            <a:endParaRPr/>
-          </a:p>
-          <a:p>
-            <a:pPr indent="-311150" lvl="0" marL="457200" rtl="0" algn="l">
-              <a:spcBef>
-                <a:spcPts val="0"/>
-              </a:spcBef>
-              <a:spcAft>
-                <a:spcPts val="0"/>
-              </a:spcAft>
-              <a:buSzPts val="1300"/>
-              <a:buChar char="●"/>
-            </a:pPr>
-            <a:r>
-              <a:rPr lang="en"/>
-              <a:t>Working on analysing the data</a:t>
+              <a:t>Compared Models</a:t>
             </a:r>
             <a:endParaRPr/>
           </a:p>
@@ -11583,69 +10070,47 @@
             <a:endParaRPr/>
           </a:p>
           <a:p>
-            <a:pPr indent="-311150" lvl="0" marL="457200" rtl="0" algn="l">
+            <a:pPr indent="0" lvl="0" marL="0" rtl="0" algn="l">
               <a:spcBef>
                 <a:spcPts val="1200"/>
               </a:spcBef>
               <a:spcAft>
                 <a:spcPts val="0"/>
               </a:spcAft>
-              <a:buSzPts val="1300"/>
-              <a:buChar char="●"/>
+              <a:buNone/>
             </a:pPr>
             <a:r>
-              <a:rPr lang="en"/>
-              <a:t>Run </a:t>
-            </a:r>
-            <a:r>
-              <a:rPr lang="en"/>
-              <a:t>further</a:t>
-            </a:r>
-            <a:r>
-              <a:rPr lang="en"/>
-              <a:t> analysis on the data such as with an ROC ,PCA</a:t>
+              <a:t/>
             </a:r>
             <a:endParaRPr/>
           </a:p>
           <a:p>
-            <a:pPr indent="-311150" lvl="0" marL="457200" rtl="0" algn="l">
-              <a:spcBef>
-                <a:spcPts val="0"/>
-              </a:spcBef>
-              <a:spcAft>
-                <a:spcPts val="0"/>
-              </a:spcAft>
-              <a:buSzPts val="1300"/>
-              <a:buChar char="●"/>
+            <a:pPr indent="0" lvl="0" marL="0" rtl="0" algn="l">
+              <a:spcBef>
+                <a:spcPts val="1200"/>
+              </a:spcBef>
+              <a:spcAft>
+                <a:spcPts val="0"/>
+              </a:spcAft>
+              <a:buNone/>
             </a:pPr>
             <a:r>
-              <a:rPr lang="en"/>
-              <a:t>Work on feature extraction for the data such as getting the size or shape</a:t>
+              <a:t/>
             </a:r>
             <a:endParaRPr/>
           </a:p>
           <a:p>
-            <a:pPr indent="-311150" lvl="0" marL="457200" rtl="0" algn="l">
-              <a:spcBef>
-                <a:spcPts val="0"/>
-              </a:spcBef>
-              <a:spcAft>
-                <a:spcPts val="0"/>
-              </a:spcAft>
-              <a:buSzPts val="1300"/>
-              <a:buChar char="●"/>
+            <a:pPr indent="0" lvl="0" marL="0" rtl="0" algn="l">
+              <a:spcBef>
+                <a:spcPts val="1200"/>
+              </a:spcBef>
+              <a:spcAft>
+                <a:spcPts val="1200"/>
+              </a:spcAft>
+              <a:buNone/>
             </a:pPr>
             <a:r>
-              <a:rPr lang="en"/>
-              <a:t>Work on ML such as K means, Random </a:t>
-            </a:r>
-            <a:r>
-              <a:rPr lang="en"/>
-              <a:t>Forest</a:t>
-            </a:r>
-            <a:r>
-              <a:rPr lang="en"/>
-              <a:t>, and neural networks</a:t>
+              <a:t/>
             </a:r>
             <a:endParaRPr/>
           </a:p>
@@ -11710,7 +10175,7 @@
             </a:pPr>
             <a:r>
               <a:rPr lang="en"/>
-              <a:t>Background</a:t>
+              <a:t>Variables</a:t>
             </a:r>
             <a:endParaRPr/>
           </a:p>
@@ -11744,119 +10209,86 @@
                 <a:spcPts val="0"/>
               </a:spcBef>
               <a:spcAft>
-                <a:spcPts val="0"/>
+                <a:spcPts val="1200"/>
               </a:spcAft>
               <a:buNone/>
             </a:pPr>
             <a:r>
-              <a:rPr lang="en" sz="1200">
-                <a:latin typeface="Roboto"/>
-                <a:ea typeface="Roboto"/>
-                <a:cs typeface="Roboto"/>
-                <a:sym typeface="Roboto"/>
-              </a:rPr>
-              <a:t>Parkinson's disease (PD) is a neurodegenerative disorder that affects multiple aspects of motor and non-motor function, including handwriting. Handwriting can be used as a measure of motor impairment in PD and is often used to assess the progression of the disease.</a:t>
-            </a:r>
-            <a:endParaRPr sz="1200">
-              <a:latin typeface="Roboto"/>
-              <a:ea typeface="Roboto"/>
-              <a:cs typeface="Roboto"/>
-              <a:sym typeface="Roboto"/>
-            </a:endParaRPr>
-          </a:p>
-          <a:p>
-            <a:pPr indent="0" lvl="0" marL="0" rtl="0" algn="l">
-              <a:spcBef>
-                <a:spcPts val="1500"/>
-              </a:spcBef>
-              <a:spcAft>
-                <a:spcPts val="0"/>
-              </a:spcAft>
-              <a:buNone/>
-            </a:pPr>
-            <a:r>
-              <a:rPr lang="en" sz="1200">
-                <a:latin typeface="Roboto"/>
-                <a:ea typeface="Roboto"/>
-                <a:cs typeface="Roboto"/>
-                <a:sym typeface="Roboto"/>
-              </a:rPr>
-              <a:t>Studies have shown that handwriting in PD patients is characterized by slow and small movements, reduced writing speed and legibility, increased tremors, and changes in pressure, size, and spacing of letters. Some studies have also reported changes in the overall organizational structure of writing and a decrease in the size of personal signature.</a:t>
-            </a:r>
-            <a:endParaRPr sz="1200">
-              <a:latin typeface="Roboto"/>
-              <a:ea typeface="Roboto"/>
-              <a:cs typeface="Roboto"/>
-              <a:sym typeface="Roboto"/>
-            </a:endParaRPr>
-          </a:p>
-          <a:p>
-            <a:pPr indent="0" lvl="0" marL="0" rtl="0" algn="l">
-              <a:spcBef>
-                <a:spcPts val="1500"/>
-              </a:spcBef>
-              <a:spcAft>
-                <a:spcPts val="0"/>
-              </a:spcAft>
-              <a:buNone/>
-            </a:pPr>
-            <a:r>
-              <a:rPr lang="en" sz="1200">
-                <a:latin typeface="Roboto"/>
-                <a:ea typeface="Roboto"/>
-                <a:cs typeface="Roboto"/>
-                <a:sym typeface="Roboto"/>
-              </a:rPr>
-              <a:t>In advanced stages of PD, the impairment of handwriting can lead to difficulty with daily activities such as writing checks and signing documents.</a:t>
-            </a:r>
-            <a:endParaRPr sz="1200">
-              <a:latin typeface="Roboto"/>
-              <a:ea typeface="Roboto"/>
-              <a:cs typeface="Roboto"/>
-              <a:sym typeface="Roboto"/>
-            </a:endParaRPr>
-          </a:p>
-          <a:p>
-            <a:pPr indent="0" lvl="0" marL="0" rtl="0" algn="l">
-              <a:spcBef>
-                <a:spcPts val="1500"/>
-              </a:spcBef>
-              <a:spcAft>
-                <a:spcPts val="1200"/>
-              </a:spcAft>
-              <a:buNone/>
-            </a:pPr>
-            <a:r>
-              <a:rPr lang="en" sz="1200">
-                <a:latin typeface="Roboto"/>
-                <a:ea typeface="Roboto"/>
-                <a:cs typeface="Roboto"/>
-                <a:sym typeface="Roboto"/>
-              </a:rPr>
-              <a:t>This project will be unique as it can help classify the </a:t>
+              <a:rPr lang="en"/>
+              <a:t>Based of the regression test and the hypothesis test I was able to determine that the </a:t>
             </a:r>
             <a:r>
-              <a:rPr lang="en" sz="1200">
-                <a:latin typeface="Roboto"/>
-                <a:ea typeface="Roboto"/>
-                <a:cs typeface="Roboto"/>
-                <a:sym typeface="Roboto"/>
-              </a:rPr>
-              <a:t>severity based on the drawings</a:t>
+              <a:rPr lang="en"/>
+              <a:t>best</a:t>
             </a:r>
             <a:r>
-              <a:rPr lang="en" sz="1200">
-                <a:latin typeface="Roboto"/>
-                <a:ea typeface="Roboto"/>
-                <a:cs typeface="Roboto"/>
-                <a:sym typeface="Roboto"/>
-              </a:rPr>
+              <a:rPr lang="en"/>
               <a:t> </a:t>
+            </a:r>
+            <a:r>
+              <a:rPr lang="en"/>
+              <a:t>variables to use for my models </a:t>
             </a:r>
             <a:endParaRPr/>
           </a:p>
         </p:txBody>
       </p:sp>
+      <p:pic>
+        <p:nvPicPr>
+          <p:cNvPr id="148" name="Google Shape;148;p15"/>
+          <p:cNvPicPr preferRelativeResize="0"/>
+          <p:nvPr/>
+        </p:nvPicPr>
+        <p:blipFill>
+          <a:blip r:embed="rId3">
+            <a:alphaModFix/>
+          </a:blip>
+          <a:stretch>
+            <a:fillRect/>
+          </a:stretch>
+        </p:blipFill>
+        <p:spPr>
+          <a:xfrm>
+            <a:off x="1297500" y="2450497"/>
+            <a:ext cx="3448725" cy="2028250"/>
+          </a:xfrm>
+          <a:prstGeom prst="rect">
+            <a:avLst/>
+          </a:prstGeom>
+          <a:noFill/>
+          <a:ln>
+            <a:noFill/>
+          </a:ln>
+        </p:spPr>
+      </p:pic>
+      <p:pic>
+        <p:nvPicPr>
+          <p:cNvPr id="149" name="Google Shape;149;p15"/>
+          <p:cNvPicPr preferRelativeResize="0"/>
+          <p:nvPr/>
+        </p:nvPicPr>
+        <p:blipFill>
+          <a:blip r:embed="rId4">
+            <a:alphaModFix/>
+          </a:blip>
+          <a:stretch>
+            <a:fillRect/>
+          </a:stretch>
+        </p:blipFill>
+        <p:spPr>
+          <a:xfrm>
+            <a:off x="4838450" y="2516650"/>
+            <a:ext cx="3497950" cy="1913150"/>
+          </a:xfrm>
+          <a:prstGeom prst="rect">
+            <a:avLst/>
+          </a:prstGeom>
+          <a:noFill/>
+          <a:ln>
+            <a:noFill/>
+          </a:ln>
+        </p:spPr>
+      </p:pic>
     </p:spTree>
   </p:cSld>
   <p:clrMapOvr>
@@ -11870,7 +10302,7 @@
   <p:cSld>
     <p:spTree>
       <p:nvGrpSpPr>
-        <p:cNvPr id="151" name="Shape 151"/>
+        <p:cNvPr id="153" name="Shape 153"/>
         <p:cNvGrpSpPr/>
         <p:nvPr/>
       </p:nvGrpSpPr>
@@ -11884,7 +10316,7 @@
       </p:grpSpPr>
       <p:sp>
         <p:nvSpPr>
-          <p:cNvPr id="152" name="Google Shape;152;p16"/>
+          <p:cNvPr id="154" name="Google Shape;154;p16"/>
           <p:cNvSpPr txBox="1"/>
           <p:nvPr>
             <p:ph type="title"/>
@@ -11915,7 +10347,12 @@
               <a:buNone/>
             </a:pPr>
             <a:r>
-              <a:t/>
+              <a:rPr lang="en"/>
+              <a:t>Decision</a:t>
+            </a:r>
+            <a:r>
+              <a:rPr lang="en"/>
+              <a:t> Tree</a:t>
             </a:r>
             <a:endParaRPr/>
           </a:p>
@@ -11923,7 +10360,7 @@
       </p:sp>
       <p:sp>
         <p:nvSpPr>
-          <p:cNvPr id="153" name="Google Shape;153;p16"/>
+          <p:cNvPr id="155" name="Google Shape;155;p16"/>
           <p:cNvSpPr txBox="1"/>
           <p:nvPr>
             <p:ph idx="1" type="body"/>
@@ -11940,7 +10377,7 @@
         </p:spPr>
         <p:txBody>
           <a:bodyPr anchorCtr="0" anchor="t" bIns="91425" lIns="91425" spcFirstLastPara="1" rIns="91425" wrap="square" tIns="91425">
-            <a:normAutofit fontScale="70000" lnSpcReduction="20000"/>
+            <a:normAutofit/>
           </a:bodyPr>
           <a:lstStyle/>
           <a:p>
@@ -11955,273 +10392,60 @@
             </a:pPr>
             <a:r>
               <a:rPr lang="en"/>
-              <a:t>In a 2017 study researches determined there was a link between different </a:t>
+              <a:t>Decision</a:t>
             </a:r>
             <a:r>
               <a:rPr lang="en"/>
-              <a:t>attributes</a:t>
-            </a:r>
-            <a:r>
-              <a:rPr lang="en"/>
-              <a:t> in </a:t>
-            </a:r>
-            <a:r>
-              <a:rPr lang="en"/>
-              <a:t>writing</a:t>
-            </a:r>
-            <a:r>
-              <a:rPr lang="en"/>
-              <a:t> such as size force and other factors that can be used to determine the </a:t>
-            </a:r>
-            <a:r>
-              <a:rPr lang="en"/>
-              <a:t>severity</a:t>
-            </a:r>
-            <a:r>
-              <a:rPr lang="en"/>
-              <a:t> of </a:t>
-            </a:r>
-            <a:r>
-              <a:rPr lang="en"/>
-              <a:t>Parkinson's</a:t>
-            </a:r>
-            <a:r>
-              <a:rPr lang="en"/>
-              <a:t>.</a:t>
+              <a:t> Tree using all</a:t>
             </a:r>
             <a:endParaRPr/>
           </a:p>
           <a:p>
             <a:pPr indent="0" lvl="0" marL="0" rtl="0" algn="l">
-              <a:lnSpc>
-                <a:spcPct val="125000"/>
-              </a:lnSpc>
-              <a:spcBef>
-                <a:spcPts val="2000"/>
-              </a:spcBef>
-              <a:spcAft>
-                <a:spcPts val="0"/>
+              <a:spcBef>
+                <a:spcPts val="1200"/>
+              </a:spcBef>
+              <a:spcAft>
+                <a:spcPts val="1200"/>
               </a:spcAft>
               <a:buNone/>
             </a:pPr>
             <a:r>
-              <a:rPr lang="en" sz="1400">
-                <a:solidFill>
-                  <a:srgbClr val="F7F7F8"/>
-                </a:solidFill>
-                <a:latin typeface="Cambria"/>
-                <a:ea typeface="Cambria"/>
-                <a:cs typeface="Cambria"/>
-                <a:sym typeface="Cambria"/>
-              </a:rPr>
-              <a:t>Handwriting training in Parkinson’s disease: A trade-off between size, speed and fluency</a:t>
-            </a:r>
-            <a:endParaRPr sz="1400">
-              <a:solidFill>
-                <a:srgbClr val="F7F7F8"/>
-              </a:solidFill>
-              <a:latin typeface="Cambria"/>
-              <a:ea typeface="Cambria"/>
-              <a:cs typeface="Cambria"/>
-              <a:sym typeface="Cambria"/>
-            </a:endParaRPr>
-          </a:p>
-          <a:p>
-            <a:pPr indent="0" lvl="0" marL="0" rtl="0" algn="l">
-              <a:lnSpc>
-                <a:spcPct val="125000"/>
-              </a:lnSpc>
-              <a:spcBef>
-                <a:spcPts val="2000"/>
-              </a:spcBef>
-              <a:spcAft>
-                <a:spcPts val="0"/>
-              </a:spcAft>
-              <a:buNone/>
-            </a:pPr>
-            <a:r>
-              <a:rPr lang="en" sz="1400">
-                <a:solidFill>
-                  <a:srgbClr val="F7F7F8"/>
-                </a:solidFill>
-                <a:latin typeface="Cambria"/>
-                <a:ea typeface="Cambria"/>
-                <a:cs typeface="Cambria"/>
-                <a:sym typeface="Cambria"/>
-              </a:rPr>
-              <a:t>Another 2017 study should that using these factors we can determine which ones have a higher chance of Parkinsons</a:t>
-            </a:r>
-            <a:endParaRPr sz="1400">
-              <a:solidFill>
-                <a:srgbClr val="F7F7F8"/>
-              </a:solidFill>
-              <a:latin typeface="Cambria"/>
-              <a:ea typeface="Cambria"/>
-              <a:cs typeface="Cambria"/>
-              <a:sym typeface="Cambria"/>
-            </a:endParaRPr>
-          </a:p>
-          <a:p>
-            <a:pPr indent="0" lvl="0" marL="0" rtl="0" algn="l">
-              <a:lnSpc>
-                <a:spcPct val="125000"/>
-              </a:lnSpc>
-              <a:spcBef>
-                <a:spcPts val="2000"/>
-              </a:spcBef>
-              <a:spcAft>
-                <a:spcPts val="0"/>
-              </a:spcAft>
-              <a:buNone/>
-            </a:pPr>
-            <a:r>
-              <a:rPr lang="en" sz="1456">
-                <a:solidFill>
-                  <a:srgbClr val="F7F7F8"/>
-                </a:solidFill>
-                <a:latin typeface="Cambria"/>
-                <a:ea typeface="Cambria"/>
-                <a:cs typeface="Cambria"/>
-                <a:sym typeface="Cambria"/>
-              </a:rPr>
-              <a:t>Handwriting Analysis in Parkinson's Disease: Current Status and Future Directions</a:t>
-            </a:r>
-            <a:endParaRPr sz="1456">
-              <a:solidFill>
-                <a:srgbClr val="F7F7F8"/>
-              </a:solidFill>
-              <a:latin typeface="Cambria"/>
-              <a:ea typeface="Cambria"/>
-              <a:cs typeface="Cambria"/>
-              <a:sym typeface="Cambria"/>
-            </a:endParaRPr>
-          </a:p>
-          <a:p>
-            <a:pPr indent="0" lvl="0" marL="0" rtl="0" algn="l">
-              <a:lnSpc>
-                <a:spcPct val="125000"/>
-              </a:lnSpc>
-              <a:spcBef>
-                <a:spcPts val="2000"/>
-              </a:spcBef>
-              <a:spcAft>
-                <a:spcPts val="0"/>
-              </a:spcAft>
-              <a:buNone/>
-            </a:pPr>
-            <a:r>
-              <a:rPr lang="en" sz="1456">
-                <a:solidFill>
-                  <a:srgbClr val="F7F7F8"/>
-                </a:solidFill>
-                <a:latin typeface="Cambria"/>
-                <a:ea typeface="Cambria"/>
-                <a:cs typeface="Cambria"/>
-                <a:sym typeface="Cambria"/>
-              </a:rPr>
-              <a:t>Another 2017 study helped indict the link between pen pressure and speed when it relates to this test and </a:t>
-            </a:r>
-            <a:r>
-              <a:rPr lang="en" sz="1456">
-                <a:solidFill>
-                  <a:srgbClr val="F7F7F8"/>
-                </a:solidFill>
-                <a:latin typeface="Cambria"/>
-                <a:ea typeface="Cambria"/>
-                <a:cs typeface="Cambria"/>
-                <a:sym typeface="Cambria"/>
-              </a:rPr>
-              <a:t>diagnosing</a:t>
-            </a:r>
-            <a:r>
-              <a:rPr lang="en" sz="1456">
-                <a:solidFill>
-                  <a:srgbClr val="F7F7F8"/>
-                </a:solidFill>
-                <a:latin typeface="Cambria"/>
-                <a:ea typeface="Cambria"/>
-                <a:cs typeface="Cambria"/>
-                <a:sym typeface="Cambria"/>
-              </a:rPr>
-              <a:t> </a:t>
-            </a:r>
-            <a:r>
-              <a:rPr lang="en" sz="1456">
-                <a:solidFill>
-                  <a:srgbClr val="F7F7F8"/>
-                </a:solidFill>
-                <a:latin typeface="Cambria"/>
-                <a:ea typeface="Cambria"/>
-                <a:cs typeface="Cambria"/>
-                <a:sym typeface="Cambria"/>
-              </a:rPr>
-              <a:t>Parkinson's</a:t>
-            </a:r>
-            <a:r>
-              <a:rPr lang="en" sz="1456">
-                <a:solidFill>
-                  <a:srgbClr val="F7F7F8"/>
-                </a:solidFill>
-                <a:latin typeface="Cambria"/>
-                <a:ea typeface="Cambria"/>
-                <a:cs typeface="Cambria"/>
-                <a:sym typeface="Cambria"/>
-              </a:rPr>
-              <a:t>.</a:t>
-            </a:r>
-            <a:endParaRPr sz="1456">
-              <a:solidFill>
-                <a:srgbClr val="F7F7F8"/>
-              </a:solidFill>
-              <a:latin typeface="Cambria"/>
-              <a:ea typeface="Cambria"/>
-              <a:cs typeface="Cambria"/>
-              <a:sym typeface="Cambria"/>
-            </a:endParaRPr>
-          </a:p>
-          <a:p>
-            <a:pPr indent="0" lvl="0" marL="0" rtl="0" algn="l">
-              <a:lnSpc>
-                <a:spcPct val="125000"/>
-              </a:lnSpc>
-              <a:spcBef>
-                <a:spcPts val="2000"/>
-              </a:spcBef>
-              <a:spcAft>
-                <a:spcPts val="0"/>
-              </a:spcAft>
-              <a:buNone/>
-            </a:pPr>
-            <a:r>
-              <a:t/>
-            </a:r>
-            <a:endParaRPr sz="1056">
-              <a:solidFill>
-                <a:srgbClr val="F7F7F8"/>
-              </a:solidFill>
-              <a:latin typeface="Cambria"/>
-              <a:ea typeface="Cambria"/>
-              <a:cs typeface="Cambria"/>
-              <a:sym typeface="Cambria"/>
-            </a:endParaRPr>
-          </a:p>
-          <a:p>
-            <a:pPr indent="0" lvl="0" marL="0" rtl="0" algn="l">
-              <a:spcBef>
-                <a:spcPts val="1000"/>
-              </a:spcBef>
-              <a:spcAft>
-                <a:spcPts val="1200"/>
-              </a:spcAft>
-              <a:buNone/>
-            </a:pPr>
-            <a:r>
-              <a:t/>
+              <a:rPr lang="en"/>
+              <a:t>Variables</a:t>
             </a:r>
             <a:endParaRPr/>
           </a:p>
         </p:txBody>
       </p:sp>
+      <p:pic>
+        <p:nvPicPr>
+          <p:cNvPr id="156" name="Google Shape;156;p16"/>
+          <p:cNvPicPr preferRelativeResize="0"/>
+          <p:nvPr/>
+        </p:nvPicPr>
+        <p:blipFill>
+          <a:blip r:embed="rId3">
+            <a:alphaModFix/>
+          </a:blip>
+          <a:stretch>
+            <a:fillRect/>
+          </a:stretch>
+        </p:blipFill>
+        <p:spPr>
+          <a:xfrm>
+            <a:off x="3049250" y="1765500"/>
+            <a:ext cx="6094750" cy="3378000"/>
+          </a:xfrm>
+          <a:prstGeom prst="rect">
+            <a:avLst/>
+          </a:prstGeom>
+          <a:noFill/>
+          <a:ln>
+            <a:noFill/>
+          </a:ln>
+        </p:spPr>
+      </p:pic>
     </p:spTree>
   </p:cSld>
   <p:clrMapOvr>
@@ -12235,7 +10459,7 @@
   <p:cSld>
     <p:spTree>
       <p:nvGrpSpPr>
-        <p:cNvPr id="157" name="Shape 157"/>
+        <p:cNvPr id="160" name="Shape 160"/>
         <p:cNvGrpSpPr/>
         <p:nvPr/>
       </p:nvGrpSpPr>
@@ -12249,7 +10473,7 @@
       </p:grpSpPr>
       <p:sp>
         <p:nvSpPr>
-          <p:cNvPr id="158" name="Google Shape;158;p17"/>
+          <p:cNvPr id="161" name="Google Shape;161;p17"/>
           <p:cNvSpPr txBox="1"/>
           <p:nvPr>
             <p:ph type="title"/>
@@ -12281,7 +10505,15 @@
             </a:pPr>
             <a:r>
               <a:rPr lang="en"/>
-              <a:t>Problem</a:t>
+              <a:t>Lift </a:t>
+            </a:r>
+            <a:r>
+              <a:rPr lang="en"/>
+              <a:t>Decision</a:t>
+            </a:r>
+            <a:r>
+              <a:rPr lang="en"/>
+              <a:t> Tree</a:t>
             </a:r>
             <a:endParaRPr/>
           </a:p>
@@ -12289,7 +10521,7 @@
       </p:sp>
       <p:sp>
         <p:nvSpPr>
-          <p:cNvPr id="159" name="Google Shape;159;p17"/>
+          <p:cNvPr id="162" name="Google Shape;162;p17"/>
           <p:cNvSpPr txBox="1"/>
           <p:nvPr>
             <p:ph idx="1" type="body"/>
@@ -12321,11 +10553,7 @@
             </a:pPr>
             <a:r>
               <a:rPr lang="en"/>
-              <a:t>There are 500,000 people in the US </a:t>
-            </a:r>
-            <a:r>
-              <a:rPr lang="en"/>
-              <a:t>diagnosed with Parkinson's, but experts believe it very under diagnosed.</a:t>
+              <a:t>Using only the</a:t>
             </a:r>
             <a:endParaRPr/>
           </a:p>
@@ -12341,7 +10569,7 @@
             </a:pPr>
             <a:r>
               <a:rPr lang="en"/>
-              <a:t>Parkinson's is a disease that affects mental abilities in patients but one of its main traits is its effects on people's mobility.</a:t>
+              <a:t>Lift variable the </a:t>
             </a:r>
             <a:endParaRPr/>
           </a:p>
@@ -12351,18 +10579,78 @@
                 <a:spcPts val="1200"/>
               </a:spcBef>
               <a:spcAft>
-                <a:spcPts val="1200"/>
+                <a:spcPts val="0"/>
               </a:spcAft>
               <a:buNone/>
             </a:pPr>
             <a:r>
               <a:rPr lang="en"/>
-              <a:t>A promising test to help determine the chances of Parkinsons and the stage they may be at.</a:t>
+              <a:t>Decision tree was</a:t>
+            </a:r>
+            <a:endParaRPr/>
+          </a:p>
+          <a:p>
+            <a:pPr indent="0" lvl="0" marL="0" rtl="0" algn="l">
+              <a:spcBef>
+                <a:spcPts val="1200"/>
+              </a:spcBef>
+              <a:spcAft>
+                <a:spcPts val="0"/>
+              </a:spcAft>
+              <a:buNone/>
+            </a:pPr>
+            <a:r>
+              <a:rPr lang="en"/>
+              <a:t>Able to predict </a:t>
+            </a:r>
+            <a:endParaRPr/>
+          </a:p>
+          <a:p>
+            <a:pPr indent="0" lvl="0" marL="0" rtl="0" algn="l">
+              <a:spcBef>
+                <a:spcPts val="1200"/>
+              </a:spcBef>
+              <a:spcAft>
+                <a:spcPts val="1200"/>
+              </a:spcAft>
+              <a:buNone/>
+            </a:pPr>
+            <a:r>
+              <a:rPr lang="en"/>
+              <a:t>With 75%</a:t>
             </a:r>
             <a:endParaRPr/>
           </a:p>
         </p:txBody>
       </p:sp>
+      <p:pic>
+        <p:nvPicPr>
+          <p:cNvPr id="163" name="Google Shape;163;p17"/>
+          <p:cNvPicPr preferRelativeResize="0"/>
+          <p:nvPr/>
+        </p:nvPicPr>
+        <p:blipFill>
+          <a:blip r:embed="rId3">
+            <a:alphaModFix/>
+          </a:blip>
+          <a:stretch>
+            <a:fillRect/>
+          </a:stretch>
+        </p:blipFill>
+        <p:spPr>
+          <a:xfrm>
+            <a:off x="2722032" y="1567551"/>
+            <a:ext cx="6421968" cy="3485974"/>
+          </a:xfrm>
+          <a:prstGeom prst="rect">
+            <a:avLst/>
+          </a:prstGeom>
+          <a:noFill/>
+          <a:ln>
+            <a:noFill/>
+          </a:ln>
+        </p:spPr>
+      </p:pic>
     </p:spTree>
   </p:cSld>
   <p:clrMapOvr>
@@ -12376,7 +10664,7 @@
   <p:cSld>
     <p:spTree>
       <p:nvGrpSpPr>
-        <p:cNvPr id="163" name="Shape 163"/>
+        <p:cNvPr id="167" name="Shape 167"/>
         <p:cNvGrpSpPr/>
         <p:nvPr/>
       </p:nvGrpSpPr>
@@ -12390,7 +10678,7 @@
       </p:grpSpPr>
       <p:sp>
         <p:nvSpPr>
-          <p:cNvPr id="164" name="Google Shape;164;p18"/>
+          <p:cNvPr id="168" name="Google Shape;168;p18"/>
           <p:cNvSpPr txBox="1"/>
           <p:nvPr>
             <p:ph type="title"/>
@@ -12422,7 +10710,7 @@
             </a:pPr>
             <a:r>
               <a:rPr lang="en"/>
-              <a:t>Spiral Test </a:t>
+              <a:t>K-Means Clustering </a:t>
             </a:r>
             <a:endParaRPr/>
           </a:p>
@@ -12430,7 +10718,7 @@
       </p:sp>
       <p:sp>
         <p:nvSpPr>
-          <p:cNvPr id="165" name="Google Shape;165;p18"/>
+          <p:cNvPr id="169" name="Google Shape;169;p18"/>
           <p:cNvSpPr txBox="1"/>
           <p:nvPr>
             <p:ph idx="1" type="body"/>
@@ -12461,28 +10749,15 @@
               <a:buNone/>
             </a:pPr>
             <a:r>
-              <a:rPr lang="en" sz="1200">
-                <a:solidFill>
-                  <a:srgbClr val="F7F7F8"/>
-                </a:solidFill>
-                <a:latin typeface="Roboto"/>
-                <a:ea typeface="Roboto"/>
-                <a:cs typeface="Roboto"/>
-                <a:sym typeface="Roboto"/>
-              </a:rPr>
-              <a:t>The spiral test is used to diagnose Parkinson's disease because it is able to detect the characteristic tremors and movement problems that are associated with the disease. By observing a person's ability to draw a spiral on a piece of paper, doctors can gain insight into the motor skills and coordination affected by Parkinson's.</a:t>
+              <a:t/>
             </a:r>
-            <a:endParaRPr b="1">
-              <a:solidFill>
-                <a:srgbClr val="F7F7F8"/>
-              </a:solidFill>
-            </a:endParaRPr>
+            <a:endParaRPr/>
           </a:p>
         </p:txBody>
       </p:sp>
       <p:pic>
         <p:nvPicPr>
-          <p:cNvPr id="166" name="Google Shape;166;p18"/>
+          <p:cNvPr id="170" name="Google Shape;170;p18"/>
           <p:cNvPicPr preferRelativeResize="0"/>
           <p:nvPr/>
         </p:nvPicPr>
@@ -12496,8 +10771,36 @@
         </p:blipFill>
         <p:spPr>
           <a:xfrm>
-            <a:off x="5170725" y="2434699"/>
-            <a:ext cx="3165675" cy="1883600"/>
+            <a:off x="4671628" y="1659400"/>
+            <a:ext cx="4472375" cy="3535125"/>
+          </a:xfrm>
+          <a:prstGeom prst="rect">
+            <a:avLst/>
+          </a:prstGeom>
+          <a:noFill/>
+          <a:ln>
+            <a:noFill/>
+          </a:ln>
+        </p:spPr>
+      </p:pic>
+      <p:pic>
+        <p:nvPicPr>
+          <p:cNvPr id="171" name="Google Shape;171;p18"/>
+          <p:cNvPicPr preferRelativeResize="0"/>
+          <p:nvPr/>
+        </p:nvPicPr>
+        <p:blipFill>
+          <a:blip r:embed="rId4">
+            <a:alphaModFix/>
+          </a:blip>
+          <a:stretch>
+            <a:fillRect/>
+          </a:stretch>
+        </p:blipFill>
+        <p:spPr>
+          <a:xfrm>
+            <a:off x="99000" y="1567550"/>
+            <a:ext cx="4472375" cy="3543684"/>
           </a:xfrm>
           <a:prstGeom prst="rect">
             <a:avLst/>
@@ -12521,7 +10824,7 @@
   <p:cSld>
     <p:spTree>
       <p:nvGrpSpPr>
-        <p:cNvPr id="170" name="Shape 170"/>
+        <p:cNvPr id="175" name="Shape 175"/>
         <p:cNvGrpSpPr/>
         <p:nvPr/>
       </p:nvGrpSpPr>
@@ -12535,7 +10838,7 @@
       </p:grpSpPr>
       <p:sp>
         <p:nvSpPr>
-          <p:cNvPr id="171" name="Google Shape;171;p19"/>
+          <p:cNvPr id="176" name="Google Shape;176;p19"/>
           <p:cNvSpPr txBox="1"/>
           <p:nvPr>
             <p:ph type="title"/>
@@ -12566,8 +10869,7 @@
               <a:buNone/>
             </a:pPr>
             <a:r>
-              <a:rPr lang="en"/>
-              <a:t>Analysis</a:t>
+              <a:t/>
             </a:r>
             <a:endParaRPr/>
           </a:p>
@@ -12575,7 +10877,7 @@
       </p:sp>
       <p:sp>
         <p:nvSpPr>
-          <p:cNvPr id="172" name="Google Shape;172;p19"/>
+          <p:cNvPr id="177" name="Google Shape;177;p19"/>
           <p:cNvSpPr txBox="1"/>
           <p:nvPr>
             <p:ph idx="1" type="body"/>
@@ -12607,15 +10909,7 @@
             </a:pPr>
             <a:r>
               <a:rPr lang="en"/>
-              <a:t>Using Classification such as K - Nearest </a:t>
-            </a:r>
-            <a:r>
-              <a:rPr lang="en"/>
-              <a:t>Neighbors </a:t>
-            </a:r>
-            <a:r>
-              <a:rPr lang="en"/>
-              <a:t> I’ll be able to predict certain qualities from the image data such as consistency in the lines. </a:t>
+              <a:t>Using the mean distance for the two variables</a:t>
             </a:r>
             <a:endParaRPr/>
           </a:p>
@@ -12630,24 +10924,7 @@
               <a:buNone/>
             </a:pPr>
             <a:r>
-              <a:rPr lang="en"/>
-              <a:t>Other </a:t>
-            </a:r>
-            <a:r>
-              <a:rPr lang="en"/>
-              <a:t>analysis</a:t>
-            </a:r>
-            <a:r>
-              <a:rPr lang="en"/>
-              <a:t> will be done are Random </a:t>
-            </a:r>
-            <a:r>
-              <a:rPr lang="en"/>
-              <a:t>forest</a:t>
-            </a:r>
-            <a:r>
-              <a:rPr lang="en"/>
-              <a:t> and deep learning for comparing which gives the best classification</a:t>
+              <a:t/>
             </a:r>
             <a:endParaRPr/>
           </a:p>
@@ -12655,7 +10932,7 @@
       </p:sp>
       <p:pic>
         <p:nvPicPr>
-          <p:cNvPr id="173" name="Google Shape;173;p19"/>
+          <p:cNvPr id="178" name="Google Shape;178;p19"/>
           <p:cNvPicPr preferRelativeResize="0"/>
           <p:nvPr/>
         </p:nvPicPr>
@@ -12669,36 +10946,8 @@
         </p:blipFill>
         <p:spPr>
           <a:xfrm>
-            <a:off x="1297500" y="3022650"/>
-            <a:ext cx="1657425" cy="1162675"/>
-          </a:xfrm>
-          <a:prstGeom prst="rect">
-            <a:avLst/>
-          </a:prstGeom>
-          <a:noFill/>
-          <a:ln>
-            <a:noFill/>
-          </a:ln>
-        </p:spPr>
-      </p:pic>
-      <p:pic>
-        <p:nvPicPr>
-          <p:cNvPr id="174" name="Google Shape;174;p19"/>
-          <p:cNvPicPr preferRelativeResize="0"/>
-          <p:nvPr/>
-        </p:nvPicPr>
-        <p:blipFill>
-          <a:blip r:embed="rId4">
-            <a:alphaModFix/>
-          </a:blip>
-          <a:stretch>
-            <a:fillRect/>
-          </a:stretch>
-        </p:blipFill>
-        <p:spPr>
-          <a:xfrm>
-            <a:off x="6694150" y="2765788"/>
-            <a:ext cx="1971675" cy="1676400"/>
+            <a:off x="4571989" y="1445100"/>
+            <a:ext cx="4528710" cy="3575950"/>
           </a:xfrm>
           <a:prstGeom prst="rect">
             <a:avLst/>
@@ -12722,7 +10971,7 @@
   <p:cSld>
     <p:spTree>
       <p:nvGrpSpPr>
-        <p:cNvPr id="178" name="Shape 178"/>
+        <p:cNvPr id="182" name="Shape 182"/>
         <p:cNvGrpSpPr/>
         <p:nvPr/>
       </p:nvGrpSpPr>
@@ -12736,7 +10985,7 @@
       </p:grpSpPr>
       <p:sp>
         <p:nvSpPr>
-          <p:cNvPr id="179" name="Google Shape;179;p20"/>
+          <p:cNvPr id="183" name="Google Shape;183;p20"/>
           <p:cNvSpPr txBox="1"/>
           <p:nvPr>
             <p:ph type="title"/>
@@ -12768,7 +11017,7 @@
             </a:pPr>
             <a:r>
               <a:rPr lang="en"/>
-              <a:t>Dataset</a:t>
+              <a:t>Analysis</a:t>
             </a:r>
             <a:endParaRPr/>
           </a:p>
@@ -12776,7 +11025,7 @@
       </p:sp>
       <p:sp>
         <p:nvSpPr>
-          <p:cNvPr id="180" name="Google Shape;180;p20"/>
+          <p:cNvPr id="184" name="Google Shape;184;p20"/>
           <p:cNvSpPr txBox="1"/>
           <p:nvPr>
             <p:ph idx="1" type="body"/>
@@ -12807,14 +11056,62 @@
               <a:buNone/>
             </a:pPr>
             <a:r>
-              <a:rPr lang="en"/>
-              <a:t>The Dataset I will be using is the UCI image data set on Parkinson Drawings of </a:t>
+              <a:rPr lang="en" sz="1050">
+                <a:solidFill>
+                  <a:srgbClr val="D4D4D4"/>
+                </a:solidFill>
+                <a:latin typeface="Arial"/>
+                <a:ea typeface="Arial"/>
+                <a:cs typeface="Arial"/>
+                <a:sym typeface="Arial"/>
+              </a:rPr>
+              <a:t>Based on these models I was able to extract important information about </a:t>
             </a:r>
             <a:r>
-              <a:rPr lang="en"/>
-              <a:t>Spirals</a:t>
+              <a:rPr lang="en" sz="1050">
+                <a:solidFill>
+                  <a:srgbClr val="D4D4D4"/>
+                </a:solidFill>
+                <a:latin typeface="Arial"/>
+                <a:ea typeface="Arial"/>
+                <a:cs typeface="Arial"/>
+                <a:sym typeface="Arial"/>
+              </a:rPr>
+              <a:t>variables</a:t>
             </a:r>
-            <a:endParaRPr/>
+            <a:r>
+              <a:rPr lang="en" sz="1050">
+                <a:solidFill>
+                  <a:srgbClr val="D4D4D4"/>
+                </a:solidFill>
+                <a:latin typeface="Arial"/>
+                <a:ea typeface="Arial"/>
+                <a:cs typeface="Arial"/>
+                <a:sym typeface="Arial"/>
+              </a:rPr>
+              <a:t> and their </a:t>
+            </a:r>
+            <a:r>
+              <a:rPr lang="en" sz="1050">
+                <a:solidFill>
+                  <a:srgbClr val="D4D4D4"/>
+                </a:solidFill>
+                <a:latin typeface="Arial"/>
+                <a:ea typeface="Arial"/>
+                <a:cs typeface="Arial"/>
+                <a:sym typeface="Arial"/>
+              </a:rPr>
+              <a:t>strength.</a:t>
+            </a:r>
+            <a:endParaRPr sz="1050">
+              <a:solidFill>
+                <a:srgbClr val="D4D4D4"/>
+              </a:solidFill>
+              <a:latin typeface="Arial"/>
+              <a:ea typeface="Arial"/>
+              <a:cs typeface="Arial"/>
+              <a:sym typeface="Arial"/>
+            </a:endParaRPr>
           </a:p>
           <a:p>
             <a:pPr indent="0" lvl="0" marL="0" rtl="0" algn="l">
@@ -12827,22 +11124,26 @@
               <a:buNone/>
             </a:pPr>
             <a:r>
-              <a:rPr lang="en"/>
-              <a:t>This </a:t>
+              <a:rPr lang="en" sz="1050">
+                <a:solidFill>
+                  <a:srgbClr val="D4D4D4"/>
+                </a:solidFill>
+                <a:latin typeface="Arial"/>
+                <a:ea typeface="Arial"/>
+                <a:cs typeface="Arial"/>
+                <a:sym typeface="Arial"/>
+              </a:rPr>
+              <a:t>Such as how with every 1 unit change in lift would result in 2.5% increase in chance of parkinson's</a:t>
             </a:r>
-            <a:r>
-              <a:rPr lang="en"/>
-              <a:t> data is set up into to two classes patients without </a:t>
-            </a:r>
-            <a:r>
-              <a:rPr lang="en"/>
-              <a:t>Parkinson's</a:t>
-            </a:r>
-            <a:r>
-              <a:rPr lang="en"/>
-              <a:t> and those with</a:t>
-            </a:r>
-            <a:endParaRPr/>
+            <a:endParaRPr sz="1050">
+              <a:solidFill>
+                <a:srgbClr val="D4D4D4"/>
+              </a:solidFill>
+              <a:latin typeface="Arial"/>
+              <a:ea typeface="Arial"/>
+              <a:cs typeface="Arial"/>
+              <a:sym typeface="Arial"/>
+            </a:endParaRPr>
           </a:p>
           <a:p>
             <a:pPr indent="0" lvl="0" marL="0" rtl="0" algn="l">
@@ -12850,46 +11151,130 @@
                 <a:spcPts val="1200"/>
               </a:spcBef>
               <a:spcAft>
-                <a:spcPts val="1200"/>
+                <a:spcPts val="0"/>
               </a:spcAft>
               <a:buNone/>
             </a:pPr>
             <a:r>
-              <a:rPr lang="en"/>
-              <a:t>The data set is made up of labeled graphed images</a:t>
+              <a:rPr lang="en" sz="1050">
+                <a:solidFill>
+                  <a:srgbClr val="D4D4D4"/>
+                </a:solidFill>
+                <a:latin typeface="Arial"/>
+                <a:ea typeface="Arial"/>
+                <a:cs typeface="Arial"/>
+                <a:sym typeface="Arial"/>
+              </a:rPr>
+              <a:t>(1.025174 - 1) x 100= 2.5174%</a:t>
             </a:r>
-            <a:endParaRPr/>
+            <a:endParaRPr sz="1050">
+              <a:solidFill>
+                <a:srgbClr val="D4D4D4"/>
+              </a:solidFill>
+              <a:latin typeface="Arial"/>
+              <a:ea typeface="Arial"/>
+              <a:cs typeface="Arial"/>
+              <a:sym typeface="Arial"/>
+            </a:endParaRPr>
+          </a:p>
+          <a:p>
+            <a:pPr indent="0" lvl="0" marL="0" rtl="0" algn="l">
+              <a:spcBef>
+                <a:spcPts val="1200"/>
+              </a:spcBef>
+              <a:spcAft>
+                <a:spcPts val="0"/>
+              </a:spcAft>
+              <a:buNone/>
+            </a:pPr>
+            <a:r>
+              <a:rPr lang="en" sz="1050">
+                <a:solidFill>
+                  <a:srgbClr val="D4D4D4"/>
+                </a:solidFill>
+                <a:latin typeface="Arial"/>
+                <a:ea typeface="Arial"/>
+                <a:cs typeface="Arial"/>
+                <a:sym typeface="Arial"/>
+              </a:rPr>
+              <a:t>I was also able to determine that the other variables with the best strengths are Gripangle and smoothness</a:t>
+            </a:r>
+            <a:endParaRPr sz="1050">
+              <a:solidFill>
+                <a:srgbClr val="D4D4D4"/>
+              </a:solidFill>
+              <a:latin typeface="Arial"/>
+              <a:ea typeface="Arial"/>
+              <a:cs typeface="Arial"/>
+              <a:sym typeface="Arial"/>
+            </a:endParaRPr>
+          </a:p>
+          <a:p>
+            <a:pPr indent="0" lvl="0" marL="0" rtl="0" algn="l">
+              <a:spcBef>
+                <a:spcPts val="1200"/>
+              </a:spcBef>
+              <a:spcAft>
+                <a:spcPts val="0"/>
+              </a:spcAft>
+              <a:buNone/>
+            </a:pPr>
+            <a:r>
+              <a:rPr lang="en" sz="1050">
+                <a:solidFill>
+                  <a:srgbClr val="D4D4D4"/>
+                </a:solidFill>
+                <a:latin typeface="Arial"/>
+                <a:ea typeface="Arial"/>
+                <a:cs typeface="Arial"/>
+                <a:sym typeface="Arial"/>
+              </a:rPr>
+              <a:t>Based on the decision trees I was able to determine the quality of the variables based on their gini number</a:t>
+            </a:r>
+            <a:endParaRPr sz="1050">
+              <a:solidFill>
+                <a:srgbClr val="D4D4D4"/>
+              </a:solidFill>
+              <a:latin typeface="Arial"/>
+              <a:ea typeface="Arial"/>
+              <a:cs typeface="Arial"/>
+              <a:sym typeface="Arial"/>
+            </a:endParaRPr>
+          </a:p>
+          <a:p>
+            <a:pPr indent="0" lvl="0" marL="0" rtl="0" algn="l">
+              <a:spcBef>
+                <a:spcPts val="1200"/>
+              </a:spcBef>
+              <a:spcAft>
+                <a:spcPts val="1200"/>
+              </a:spcAft>
+              <a:buNone/>
+            </a:pPr>
+            <a:r>
+              <a:rPr lang="en" sz="1050">
+                <a:solidFill>
+                  <a:srgbClr val="D4D4D4"/>
+                </a:solidFill>
+                <a:latin typeface="Arial"/>
+                <a:ea typeface="Arial"/>
+                <a:cs typeface="Arial"/>
+                <a:sym typeface="Arial"/>
+              </a:rPr>
+              <a:t>In the K-means clustering analysis I was able to compare different variables to each other in comparison to healthy and Parkinsons patients.</a:t>
+            </a:r>
+            <a:endParaRPr sz="1050">
+              <a:solidFill>
+                <a:srgbClr val="D4D4D4"/>
+              </a:solidFill>
+              <a:latin typeface="Arial"/>
+              <a:ea typeface="Arial"/>
+              <a:cs typeface="Arial"/>
+              <a:sym typeface="Arial"/>
+            </a:endParaRPr>
           </a:p>
         </p:txBody>
       </p:sp>
-      <p:pic>
-        <p:nvPicPr>
-          <p:cNvPr id="181" name="Google Shape;181;p20"/>
-          <p:cNvPicPr preferRelativeResize="0"/>
-          <p:nvPr/>
-        </p:nvPicPr>
-        <p:blipFill>
-          <a:blip r:embed="rId3">
-            <a:alphaModFix/>
-          </a:blip>
-          <a:stretch>
-            <a:fillRect/>
-          </a:stretch>
-        </p:blipFill>
-        <p:spPr>
-          <a:xfrm>
-            <a:off x="1297500" y="3471178"/>
-            <a:ext cx="5864050" cy="1007575"/>
-          </a:xfrm>
-          <a:prstGeom prst="rect">
-            <a:avLst/>
-          </a:prstGeom>
-          <a:noFill/>
-          <a:ln>
-            <a:noFill/>
-          </a:ln>
-        </p:spPr>
-      </p:pic>
     </p:spTree>
   </p:cSld>
   <p:clrMapOvr>
@@ -12903,7 +11288,7 @@
   <p:cSld>
     <p:spTree>
       <p:nvGrpSpPr>
-        <p:cNvPr id="185" name="Shape 185"/>
+        <p:cNvPr id="188" name="Shape 188"/>
         <p:cNvGrpSpPr/>
         <p:nvPr/>
       </p:nvGrpSpPr>
@@ -12917,7 +11302,7 @@
       </p:grpSpPr>
       <p:sp>
         <p:nvSpPr>
-          <p:cNvPr id="186" name="Google Shape;186;p21"/>
+          <p:cNvPr id="189" name="Google Shape;189;p21"/>
           <p:cNvSpPr txBox="1"/>
           <p:nvPr>
             <p:ph type="title"/>
@@ -12949,7 +11334,7 @@
             </a:pPr>
             <a:r>
               <a:rPr lang="en"/>
-              <a:t>Dataset 2</a:t>
+              <a:t>Goals </a:t>
             </a:r>
             <a:endParaRPr/>
           </a:p>
@@ -12957,7 +11342,7 @@
       </p:sp>
       <p:sp>
         <p:nvSpPr>
-          <p:cNvPr id="187" name="Google Shape;187;p21"/>
+          <p:cNvPr id="190" name="Google Shape;190;p21"/>
           <p:cNvSpPr txBox="1"/>
           <p:nvPr>
             <p:ph idx="1" type="body"/>
@@ -12974,7 +11359,7 @@
         </p:spPr>
         <p:txBody>
           <a:bodyPr anchorCtr="0" anchor="t" bIns="91425" lIns="91425" spcFirstLastPara="1" rIns="91425" wrap="square" tIns="91425">
-            <a:normAutofit/>
+            <a:noAutofit/>
           </a:bodyPr>
           <a:lstStyle/>
           <a:p>
@@ -12988,14 +11373,26 @@
               <a:buNone/>
             </a:pPr>
             <a:r>
-              <a:rPr lang="en"/>
-              <a:t>Dataset 2 is a set of </a:t>
+              <a:rPr lang="en" sz="1200">
+                <a:solidFill>
+                  <a:srgbClr val="F7F7F8"/>
+                </a:solidFill>
+                <a:latin typeface="Arial"/>
+                <a:ea typeface="Arial"/>
+                <a:cs typeface="Arial"/>
+                <a:sym typeface="Arial"/>
+              </a:rPr>
+              <a:t>For next week I would like to test out more models such as implementing a neural network </a:t>
             </a:r>
-            <a:r>
-              <a:rPr lang="en"/>
-              <a:t>data that helps determine other factors involved in the drawing that can help determine it gives such as pressure and speed.</a:t>
-            </a:r>
-            <a:endParaRPr/>
+            <a:endParaRPr sz="1200">
+              <a:solidFill>
+                <a:srgbClr val="F7F7F8"/>
+              </a:solidFill>
+              <a:latin typeface="Arial"/>
+              <a:ea typeface="Arial"/>
+              <a:cs typeface="Arial"/>
+              <a:sym typeface="Arial"/>
+            </a:endParaRPr>
           </a:p>
           <a:p>
             <a:pPr indent="0" lvl="0" marL="0" rtl="0" algn="l">
@@ -13008,41 +11405,29 @@
               <a:buNone/>
             </a:pPr>
             <a:r>
-              <a:rPr lang="en"/>
-              <a:t>(Zham et al., 2017)</a:t>
+              <a:rPr lang="en" sz="1200">
+                <a:solidFill>
+                  <a:srgbClr val="F7F7F8"/>
+                </a:solidFill>
+                <a:latin typeface="Arial"/>
+                <a:ea typeface="Arial"/>
+                <a:cs typeface="Arial"/>
+                <a:sym typeface="Arial"/>
+              </a:rPr>
+              <a:t>I would also like to work more on the clustering to increase accuracy</a:t>
             </a:r>
-            <a:endParaRPr/>
+            <a:endParaRPr sz="1200">
+              <a:solidFill>
+                <a:srgbClr val="F7F7F8"/>
+              </a:solidFill>
+              <a:latin typeface="Arial"/>
+              <a:ea typeface="Arial"/>
+              <a:cs typeface="Arial"/>
+              <a:sym typeface="Arial"/>
+            </a:endParaRPr>
           </a:p>
         </p:txBody>
       </p:sp>
-      <p:pic>
-        <p:nvPicPr>
-          <p:cNvPr id="188" name="Google Shape;188;p21"/>
-          <p:cNvPicPr preferRelativeResize="0"/>
-          <p:nvPr/>
-        </p:nvPicPr>
-        <p:blipFill>
-          <a:blip r:embed="rId3">
-            <a:alphaModFix/>
-          </a:blip>
-          <a:stretch>
-            <a:fillRect/>
-          </a:stretch>
-        </p:blipFill>
-        <p:spPr>
-          <a:xfrm>
-            <a:off x="1297495" y="3099050"/>
-            <a:ext cx="3336301" cy="1379700"/>
-          </a:xfrm>
-          <a:prstGeom prst="rect">
-            <a:avLst/>
-          </a:prstGeom>
-          <a:noFill/>
-          <a:ln>
-            <a:noFill/>
-          </a:ln>
-        </p:spPr>
-      </p:pic>
     </p:spTree>
   </p:cSld>
   <p:clrMapOvr>
